--- a/doc/XXL-JOB架构图.pptx
+++ b/doc/XXL-JOB架构图.pptx
@@ -1,23 +1,23 @@
 
 <file path=ppt/presentation.xml><?xml version="1.0" encoding="utf-8"?>
-<p:presentation xmlns:a="http://schemas.openxmlformats.org/drawingml/2006/main" xmlns:r="http://schemas.openxmlformats.org/officeDocument/2006/relationships" xmlns:p="http://schemas.openxmlformats.org/presentationml/2006/main" saveSubsetFonts="1">
+<p:presentation xmlns:a="http://schemas.openxmlformats.org/drawingml/2006/main" xmlns:r="http://schemas.openxmlformats.org/officeDocument/2006/relationships" xmlns:p="http://schemas.openxmlformats.org/presentationml/2006/main">
   <p:sldMasterIdLst>
     <p:sldMasterId id="2147483648" r:id="rId1"/>
   </p:sldMasterIdLst>
   <p:notesMasterIdLst>
-    <p:notesMasterId r:id="rId12"/>
+    <p:notesMasterId r:id="rId5"/>
   </p:notesMasterIdLst>
   <p:sldIdLst>
-    <p:sldId id="259" r:id="rId2"/>
-    <p:sldId id="258" r:id="rId3"/>
-    <p:sldId id="260" r:id="rId4"/>
-    <p:sldId id="261" r:id="rId5"/>
-    <p:sldId id="262" r:id="rId6"/>
-    <p:sldId id="264" r:id="rId7"/>
-    <p:sldId id="266" r:id="rId8"/>
-    <p:sldId id="267" r:id="rId9"/>
-    <p:sldId id="263" r:id="rId10"/>
-    <p:sldId id="268" r:id="rId11"/>
+    <p:sldId id="259" r:id="rId3"/>
+    <p:sldId id="258" r:id="rId4"/>
+    <p:sldId id="260" r:id="rId6"/>
+    <p:sldId id="261" r:id="rId7"/>
+    <p:sldId id="262" r:id="rId8"/>
+    <p:sldId id="264" r:id="rId9"/>
+    <p:sldId id="266" r:id="rId10"/>
+    <p:sldId id="267" r:id="rId11"/>
+    <p:sldId id="263" r:id="rId12"/>
+    <p:sldId id="268" r:id="rId13"/>
   </p:sldIdLst>
   <p:sldSz cx="12192000" cy="6858000"/>
   <p:notesSz cx="6858000" cy="9144000"/>
@@ -116,11 +116,6 @@
       </a:defRPr>
     </a:lvl9pPr>
   </p:defaultTextStyle>
-  <p:extLst>
-    <p:ext uri="{EFAFB233-063F-42B5-8137-9DF3F51BA10A}">
-      <p15:sldGuideLst xmlns:p15="http://schemas.microsoft.com/office/powerpoint/2012/main"/>
-    </p:ext>
-  </p:extLst>
 </p:presentation>
 </file>
 
@@ -206,7 +201,6 @@
           <a:p>
             <a:fld id="{D2A48B96-639E-45A3-A0BA-2464DFDB1FAA}" type="datetimeFigureOut">
               <a:rPr lang="zh-CN" altLang="en-US" smtClean="0"/>
-              <a:t>2019/10/11</a:t>
             </a:fld>
             <a:endParaRPr lang="zh-CN" altLang="en-US"/>
           </a:p>
@@ -273,6 +267,7 @@
               <a:rPr lang="zh-CN" altLang="en-US" smtClean="0"/>
               <a:t>单击此处编辑母版文本样式</a:t>
             </a:r>
+            <a:endParaRPr lang="zh-CN" altLang="en-US" smtClean="0"/>
           </a:p>
           <a:p>
             <a:pPr lvl="1"/>
@@ -280,6 +275,7 @@
               <a:rPr lang="zh-CN" altLang="en-US" smtClean="0"/>
               <a:t>第二级</a:t>
             </a:r>
+            <a:endParaRPr lang="zh-CN" altLang="en-US" smtClean="0"/>
           </a:p>
           <a:p>
             <a:pPr lvl="2"/>
@@ -287,6 +283,7 @@
               <a:rPr lang="zh-CN" altLang="en-US" smtClean="0"/>
               <a:t>第三级</a:t>
             </a:r>
+            <a:endParaRPr lang="zh-CN" altLang="en-US" smtClean="0"/>
           </a:p>
           <a:p>
             <a:pPr lvl="3"/>
@@ -294,6 +291,7 @@
               <a:rPr lang="zh-CN" altLang="en-US" smtClean="0"/>
               <a:t>第四级</a:t>
             </a:r>
+            <a:endParaRPr lang="zh-CN" altLang="en-US" smtClean="0"/>
           </a:p>
           <a:p>
             <a:pPr lvl="4"/>
@@ -365,18 +363,12 @@
           <a:p>
             <a:fld id="{A6837353-30EB-4A48-80EB-173D804AEFBD}" type="slidenum">
               <a:rPr lang="zh-CN" altLang="en-US" smtClean="0"/>
-              <a:t>‹#›</a:t>
             </a:fld>
             <a:endParaRPr lang="zh-CN" altLang="en-US"/>
           </a:p>
         </p:txBody>
       </p:sp>
     </p:spTree>
-    <p:extLst>
-      <p:ext uri="{BB962C8B-B14F-4D97-AF65-F5344CB8AC3E}">
-        <p14:creationId xmlns:p14="http://schemas.microsoft.com/office/powerpoint/2010/main" val="1753989497"/>
-      </p:ext>
-    </p:extLst>
   </p:cSld>
   <p:clrMap bg1="lt1" tx1="dk1" bg2="lt2" tx2="dk2" accent1="accent1" accent2="accent2" accent3="accent3" accent4="accent4" accent5="accent5" accent6="accent6" hlink="hlink" folHlink="folHlink"/>
   <p:notesStyle>
@@ -523,11 +515,6 @@
         </p:txBody>
       </p:sp>
     </p:spTree>
-    <p:extLst>
-      <p:ext uri="{BB962C8B-B14F-4D97-AF65-F5344CB8AC3E}">
-        <p14:creationId xmlns:p14="http://schemas.microsoft.com/office/powerpoint/2010/main" val="793453710"/>
-      </p:ext>
-    </p:extLst>
   </p:cSld>
   <p:clrMapOvr>
     <a:masterClrMapping/>
@@ -600,18 +587,12 @@
           <a:p>
             <a:fld id="{A6837353-30EB-4A48-80EB-173D804AEFBD}" type="slidenum">
               <a:rPr lang="zh-CN" altLang="en-US" smtClean="0"/>
-              <a:t>3</a:t>
             </a:fld>
             <a:endParaRPr lang="zh-CN" altLang="en-US"/>
           </a:p>
         </p:txBody>
       </p:sp>
     </p:spTree>
-    <p:extLst>
-      <p:ext uri="{BB962C8B-B14F-4D97-AF65-F5344CB8AC3E}">
-        <p14:creationId xmlns:p14="http://schemas.microsoft.com/office/powerpoint/2010/main" val="1850539747"/>
-      </p:ext>
-    </p:extLst>
   </p:cSld>
   <p:clrMapOvr>
     <a:masterClrMapping/>
@@ -702,7 +683,7 @@
           <a:lstStyle/>
           <a:p>
             <a:endParaRPr kumimoji="0" lang="zh-CN" altLang="en-US" dirty="0">
-              <a:latin typeface="Arial" panose="020B0604020202020204" pitchFamily="34" charset="0"/>
+              <a:latin typeface="Arial" panose="020B0604020202090204" pitchFamily="34" charset="0"/>
               <a:ea typeface="MS PGothic" panose="020B0600070205080204" charset="-128"/>
             </a:endParaRPr>
           </a:p>
@@ -748,7 +729,7 @@
                 <a:solidFill>
                   <a:schemeClr val="tx1"/>
                 </a:solidFill>
-                <a:latin typeface="Arial" panose="020B0604020202020204" pitchFamily="34" charset="0"/>
+                <a:latin typeface="Arial" panose="020B0604020202090204" pitchFamily="34" charset="0"/>
                 <a:ea typeface="宋体" panose="02010600030101010101" pitchFamily="2" charset="-122"/>
               </a:defRPr>
             </a:lvl1pPr>
@@ -757,7 +738,7 @@
                 <a:solidFill>
                   <a:schemeClr val="tx1"/>
                 </a:solidFill>
-                <a:latin typeface="Arial" panose="020B0604020202020204" pitchFamily="34" charset="0"/>
+                <a:latin typeface="Arial" panose="020B0604020202090204" pitchFamily="34" charset="0"/>
                 <a:ea typeface="宋体" panose="02010600030101010101" pitchFamily="2" charset="-122"/>
               </a:defRPr>
             </a:lvl2pPr>
@@ -766,7 +747,7 @@
                 <a:solidFill>
                   <a:schemeClr val="tx1"/>
                 </a:solidFill>
-                <a:latin typeface="Arial" panose="020B0604020202020204" pitchFamily="34" charset="0"/>
+                <a:latin typeface="Arial" panose="020B0604020202090204" pitchFamily="34" charset="0"/>
                 <a:ea typeface="宋体" panose="02010600030101010101" pitchFamily="2" charset="-122"/>
               </a:defRPr>
             </a:lvl3pPr>
@@ -775,7 +756,7 @@
                 <a:solidFill>
                   <a:schemeClr val="tx1"/>
                 </a:solidFill>
-                <a:latin typeface="Arial" panose="020B0604020202020204" pitchFamily="34" charset="0"/>
+                <a:latin typeface="Arial" panose="020B0604020202090204" pitchFamily="34" charset="0"/>
                 <a:ea typeface="宋体" panose="02010600030101010101" pitchFamily="2" charset="-122"/>
               </a:defRPr>
             </a:lvl4pPr>
@@ -784,7 +765,7 @@
                 <a:solidFill>
                   <a:schemeClr val="tx1"/>
                 </a:solidFill>
-                <a:latin typeface="Arial" panose="020B0604020202020204" pitchFamily="34" charset="0"/>
+                <a:latin typeface="Arial" panose="020B0604020202090204" pitchFamily="34" charset="0"/>
                 <a:ea typeface="宋体" panose="02010600030101010101" pitchFamily="2" charset="-122"/>
               </a:defRPr>
             </a:lvl5pPr>
@@ -799,7 +780,7 @@
                 <a:solidFill>
                   <a:schemeClr val="tx1"/>
                 </a:solidFill>
-                <a:latin typeface="Arial" panose="020B0604020202020204" pitchFamily="34" charset="0"/>
+                <a:latin typeface="Arial" panose="020B0604020202090204" pitchFamily="34" charset="0"/>
                 <a:ea typeface="宋体" panose="02010600030101010101" pitchFamily="2" charset="-122"/>
               </a:defRPr>
             </a:lvl6pPr>
@@ -814,7 +795,7 @@
                 <a:solidFill>
                   <a:schemeClr val="tx1"/>
                 </a:solidFill>
-                <a:latin typeface="Arial" panose="020B0604020202020204" pitchFamily="34" charset="0"/>
+                <a:latin typeface="Arial" panose="020B0604020202090204" pitchFamily="34" charset="0"/>
                 <a:ea typeface="宋体" panose="02010600030101010101" pitchFamily="2" charset="-122"/>
               </a:defRPr>
             </a:lvl7pPr>
@@ -829,7 +810,7 @@
                 <a:solidFill>
                   <a:schemeClr val="tx1"/>
                 </a:solidFill>
-                <a:latin typeface="Arial" panose="020B0604020202020204" pitchFamily="34" charset="0"/>
+                <a:latin typeface="Arial" panose="020B0604020202090204" pitchFamily="34" charset="0"/>
                 <a:ea typeface="宋体" panose="02010600030101010101" pitchFamily="2" charset="-122"/>
               </a:defRPr>
             </a:lvl8pPr>
@@ -844,7 +825,7 @@
                 <a:solidFill>
                   <a:schemeClr val="tx1"/>
                 </a:solidFill>
-                <a:latin typeface="Arial" panose="020B0604020202020204" pitchFamily="34" charset="0"/>
+                <a:latin typeface="Arial" panose="020B0604020202090204" pitchFamily="34" charset="0"/>
                 <a:ea typeface="宋体" panose="02010600030101010101" pitchFamily="2" charset="-122"/>
               </a:defRPr>
             </a:lvl9pPr>
@@ -852,18 +833,12 @@
           <a:p>
             <a:fld id="{80DF3984-D036-8146-80F3-60605DE9315C}" type="slidenum">
               <a:rPr lang="zh-CN" altLang="en-US" sz="1200"/>
-              <a:t>4</a:t>
             </a:fld>
             <a:endParaRPr lang="zh-CN" altLang="en-US" sz="1200"/>
           </a:p>
         </p:txBody>
       </p:sp>
     </p:spTree>
-    <p:extLst>
-      <p:ext uri="{BB962C8B-B14F-4D97-AF65-F5344CB8AC3E}">
-        <p14:creationId xmlns:p14="http://schemas.microsoft.com/office/powerpoint/2010/main" val="15868328"/>
-      </p:ext>
-    </p:extLst>
   </p:cSld>
   <p:clrMapOvr>
     <a:masterClrMapping/>
@@ -954,7 +929,7 @@
           <a:lstStyle/>
           <a:p>
             <a:endParaRPr kumimoji="0" lang="zh-CN" altLang="en-US" dirty="0">
-              <a:latin typeface="Arial" panose="020B0604020202020204" pitchFamily="34" charset="0"/>
+              <a:latin typeface="Arial" panose="020B0604020202090204" pitchFamily="34" charset="0"/>
               <a:ea typeface="MS PGothic" panose="020B0600070205080204" charset="-128"/>
             </a:endParaRPr>
           </a:p>
@@ -1000,7 +975,7 @@
                 <a:solidFill>
                   <a:schemeClr val="tx1"/>
                 </a:solidFill>
-                <a:latin typeface="Arial" panose="020B0604020202020204" pitchFamily="34" charset="0"/>
+                <a:latin typeface="Arial" panose="020B0604020202090204" pitchFamily="34" charset="0"/>
                 <a:ea typeface="宋体" panose="02010600030101010101" pitchFamily="2" charset="-122"/>
               </a:defRPr>
             </a:lvl1pPr>
@@ -1009,7 +984,7 @@
                 <a:solidFill>
                   <a:schemeClr val="tx1"/>
                 </a:solidFill>
-                <a:latin typeface="Arial" panose="020B0604020202020204" pitchFamily="34" charset="0"/>
+                <a:latin typeface="Arial" panose="020B0604020202090204" pitchFamily="34" charset="0"/>
                 <a:ea typeface="宋体" panose="02010600030101010101" pitchFamily="2" charset="-122"/>
               </a:defRPr>
             </a:lvl2pPr>
@@ -1018,7 +993,7 @@
                 <a:solidFill>
                   <a:schemeClr val="tx1"/>
                 </a:solidFill>
-                <a:latin typeface="Arial" panose="020B0604020202020204" pitchFamily="34" charset="0"/>
+                <a:latin typeface="Arial" panose="020B0604020202090204" pitchFamily="34" charset="0"/>
                 <a:ea typeface="宋体" panose="02010600030101010101" pitchFamily="2" charset="-122"/>
               </a:defRPr>
             </a:lvl3pPr>
@@ -1027,7 +1002,7 @@
                 <a:solidFill>
                   <a:schemeClr val="tx1"/>
                 </a:solidFill>
-                <a:latin typeface="Arial" panose="020B0604020202020204" pitchFamily="34" charset="0"/>
+                <a:latin typeface="Arial" panose="020B0604020202090204" pitchFamily="34" charset="0"/>
                 <a:ea typeface="宋体" panose="02010600030101010101" pitchFamily="2" charset="-122"/>
               </a:defRPr>
             </a:lvl4pPr>
@@ -1036,7 +1011,7 @@
                 <a:solidFill>
                   <a:schemeClr val="tx1"/>
                 </a:solidFill>
-                <a:latin typeface="Arial" panose="020B0604020202020204" pitchFamily="34" charset="0"/>
+                <a:latin typeface="Arial" panose="020B0604020202090204" pitchFamily="34" charset="0"/>
                 <a:ea typeface="宋体" panose="02010600030101010101" pitchFamily="2" charset="-122"/>
               </a:defRPr>
             </a:lvl5pPr>
@@ -1051,7 +1026,7 @@
                 <a:solidFill>
                   <a:schemeClr val="tx1"/>
                 </a:solidFill>
-                <a:latin typeface="Arial" panose="020B0604020202020204" pitchFamily="34" charset="0"/>
+                <a:latin typeface="Arial" panose="020B0604020202090204" pitchFamily="34" charset="0"/>
                 <a:ea typeface="宋体" panose="02010600030101010101" pitchFamily="2" charset="-122"/>
               </a:defRPr>
             </a:lvl6pPr>
@@ -1066,7 +1041,7 @@
                 <a:solidFill>
                   <a:schemeClr val="tx1"/>
                 </a:solidFill>
-                <a:latin typeface="Arial" panose="020B0604020202020204" pitchFamily="34" charset="0"/>
+                <a:latin typeface="Arial" panose="020B0604020202090204" pitchFamily="34" charset="0"/>
                 <a:ea typeface="宋体" panose="02010600030101010101" pitchFamily="2" charset="-122"/>
               </a:defRPr>
             </a:lvl7pPr>
@@ -1081,7 +1056,7 @@
                 <a:solidFill>
                   <a:schemeClr val="tx1"/>
                 </a:solidFill>
-                <a:latin typeface="Arial" panose="020B0604020202020204" pitchFamily="34" charset="0"/>
+                <a:latin typeface="Arial" panose="020B0604020202090204" pitchFamily="34" charset="0"/>
                 <a:ea typeface="宋体" panose="02010600030101010101" pitchFamily="2" charset="-122"/>
               </a:defRPr>
             </a:lvl8pPr>
@@ -1096,7 +1071,7 @@
                 <a:solidFill>
                   <a:schemeClr val="tx1"/>
                 </a:solidFill>
-                <a:latin typeface="Arial" panose="020B0604020202020204" pitchFamily="34" charset="0"/>
+                <a:latin typeface="Arial" panose="020B0604020202090204" pitchFamily="34" charset="0"/>
                 <a:ea typeface="宋体" panose="02010600030101010101" pitchFamily="2" charset="-122"/>
               </a:defRPr>
             </a:lvl9pPr>
@@ -1104,18 +1079,12 @@
           <a:p>
             <a:fld id="{80DF3984-D036-8146-80F3-60605DE9315C}" type="slidenum">
               <a:rPr lang="zh-CN" altLang="en-US" sz="1200"/>
-              <a:t>5</a:t>
             </a:fld>
             <a:endParaRPr lang="zh-CN" altLang="en-US" sz="1200"/>
           </a:p>
         </p:txBody>
       </p:sp>
     </p:spTree>
-    <p:extLst>
-      <p:ext uri="{BB962C8B-B14F-4D97-AF65-F5344CB8AC3E}">
-        <p14:creationId xmlns:p14="http://schemas.microsoft.com/office/powerpoint/2010/main" val="411016468"/>
-      </p:ext>
-    </p:extLst>
   </p:cSld>
   <p:clrMapOvr>
     <a:masterClrMapping/>
@@ -1206,7 +1175,7 @@
           <a:lstStyle/>
           <a:p>
             <a:endParaRPr kumimoji="0" lang="zh-CN" altLang="en-US" dirty="0">
-              <a:latin typeface="Arial" panose="020B0604020202020204" pitchFamily="34" charset="0"/>
+              <a:latin typeface="Arial" panose="020B0604020202090204" pitchFamily="34" charset="0"/>
               <a:ea typeface="MS PGothic" panose="020B0600070205080204" charset="-128"/>
             </a:endParaRPr>
           </a:p>
@@ -1252,7 +1221,7 @@
                 <a:solidFill>
                   <a:schemeClr val="tx1"/>
                 </a:solidFill>
-                <a:latin typeface="Arial" panose="020B0604020202020204" pitchFamily="34" charset="0"/>
+                <a:latin typeface="Arial" panose="020B0604020202090204" pitchFamily="34" charset="0"/>
                 <a:ea typeface="宋体" panose="02010600030101010101" pitchFamily="2" charset="-122"/>
               </a:defRPr>
             </a:lvl1pPr>
@@ -1261,7 +1230,7 @@
                 <a:solidFill>
                   <a:schemeClr val="tx1"/>
                 </a:solidFill>
-                <a:latin typeface="Arial" panose="020B0604020202020204" pitchFamily="34" charset="0"/>
+                <a:latin typeface="Arial" panose="020B0604020202090204" pitchFamily="34" charset="0"/>
                 <a:ea typeface="宋体" panose="02010600030101010101" pitchFamily="2" charset="-122"/>
               </a:defRPr>
             </a:lvl2pPr>
@@ -1270,7 +1239,7 @@
                 <a:solidFill>
                   <a:schemeClr val="tx1"/>
                 </a:solidFill>
-                <a:latin typeface="Arial" panose="020B0604020202020204" pitchFamily="34" charset="0"/>
+                <a:latin typeface="Arial" panose="020B0604020202090204" pitchFamily="34" charset="0"/>
                 <a:ea typeface="宋体" panose="02010600030101010101" pitchFamily="2" charset="-122"/>
               </a:defRPr>
             </a:lvl3pPr>
@@ -1279,7 +1248,7 @@
                 <a:solidFill>
                   <a:schemeClr val="tx1"/>
                 </a:solidFill>
-                <a:latin typeface="Arial" panose="020B0604020202020204" pitchFamily="34" charset="0"/>
+                <a:latin typeface="Arial" panose="020B0604020202090204" pitchFamily="34" charset="0"/>
                 <a:ea typeface="宋体" panose="02010600030101010101" pitchFamily="2" charset="-122"/>
               </a:defRPr>
             </a:lvl4pPr>
@@ -1288,7 +1257,7 @@
                 <a:solidFill>
                   <a:schemeClr val="tx1"/>
                 </a:solidFill>
-                <a:latin typeface="Arial" panose="020B0604020202020204" pitchFamily="34" charset="0"/>
+                <a:latin typeface="Arial" panose="020B0604020202090204" pitchFamily="34" charset="0"/>
                 <a:ea typeface="宋体" panose="02010600030101010101" pitchFamily="2" charset="-122"/>
               </a:defRPr>
             </a:lvl5pPr>
@@ -1303,7 +1272,7 @@
                 <a:solidFill>
                   <a:schemeClr val="tx1"/>
                 </a:solidFill>
-                <a:latin typeface="Arial" panose="020B0604020202020204" pitchFamily="34" charset="0"/>
+                <a:latin typeface="Arial" panose="020B0604020202090204" pitchFamily="34" charset="0"/>
                 <a:ea typeface="宋体" panose="02010600030101010101" pitchFamily="2" charset="-122"/>
               </a:defRPr>
             </a:lvl6pPr>
@@ -1318,7 +1287,7 @@
                 <a:solidFill>
                   <a:schemeClr val="tx1"/>
                 </a:solidFill>
-                <a:latin typeface="Arial" panose="020B0604020202020204" pitchFamily="34" charset="0"/>
+                <a:latin typeface="Arial" panose="020B0604020202090204" pitchFamily="34" charset="0"/>
                 <a:ea typeface="宋体" panose="02010600030101010101" pitchFamily="2" charset="-122"/>
               </a:defRPr>
             </a:lvl7pPr>
@@ -1333,7 +1302,7 @@
                 <a:solidFill>
                   <a:schemeClr val="tx1"/>
                 </a:solidFill>
-                <a:latin typeface="Arial" panose="020B0604020202020204" pitchFamily="34" charset="0"/>
+                <a:latin typeface="Arial" panose="020B0604020202090204" pitchFamily="34" charset="0"/>
                 <a:ea typeface="宋体" panose="02010600030101010101" pitchFamily="2" charset="-122"/>
               </a:defRPr>
             </a:lvl8pPr>
@@ -1348,7 +1317,7 @@
                 <a:solidFill>
                   <a:schemeClr val="tx1"/>
                 </a:solidFill>
-                <a:latin typeface="Arial" panose="020B0604020202020204" pitchFamily="34" charset="0"/>
+                <a:latin typeface="Arial" panose="020B0604020202090204" pitchFamily="34" charset="0"/>
                 <a:ea typeface="宋体" panose="02010600030101010101" pitchFamily="2" charset="-122"/>
               </a:defRPr>
             </a:lvl9pPr>
@@ -1356,18 +1325,12 @@
           <a:p>
             <a:fld id="{80DF3984-D036-8146-80F3-60605DE9315C}" type="slidenum">
               <a:rPr lang="zh-CN" altLang="en-US" sz="1200"/>
-              <a:t>6</a:t>
             </a:fld>
             <a:endParaRPr lang="zh-CN" altLang="en-US" sz="1200"/>
           </a:p>
         </p:txBody>
       </p:sp>
     </p:spTree>
-    <p:extLst>
-      <p:ext uri="{BB962C8B-B14F-4D97-AF65-F5344CB8AC3E}">
-        <p14:creationId xmlns:p14="http://schemas.microsoft.com/office/powerpoint/2010/main" val="1646368924"/>
-      </p:ext>
-    </p:extLst>
   </p:cSld>
   <p:clrMapOvr>
     <a:masterClrMapping/>
@@ -1458,7 +1421,7 @@
           <a:lstStyle/>
           <a:p>
             <a:endParaRPr kumimoji="0" lang="zh-CN" altLang="en-US" dirty="0">
-              <a:latin typeface="Arial" panose="020B0604020202020204" pitchFamily="34" charset="0"/>
+              <a:latin typeface="Arial" panose="020B0604020202090204" pitchFamily="34" charset="0"/>
               <a:ea typeface="MS PGothic" panose="020B0600070205080204" charset="-128"/>
             </a:endParaRPr>
           </a:p>
@@ -1504,7 +1467,7 @@
                 <a:solidFill>
                   <a:schemeClr val="tx1"/>
                 </a:solidFill>
-                <a:latin typeface="Arial" panose="020B0604020202020204" pitchFamily="34" charset="0"/>
+                <a:latin typeface="Arial" panose="020B0604020202090204" pitchFamily="34" charset="0"/>
                 <a:ea typeface="宋体" panose="02010600030101010101" pitchFamily="2" charset="-122"/>
               </a:defRPr>
             </a:lvl1pPr>
@@ -1513,7 +1476,7 @@
                 <a:solidFill>
                   <a:schemeClr val="tx1"/>
                 </a:solidFill>
-                <a:latin typeface="Arial" panose="020B0604020202020204" pitchFamily="34" charset="0"/>
+                <a:latin typeface="Arial" panose="020B0604020202090204" pitchFamily="34" charset="0"/>
                 <a:ea typeface="宋体" panose="02010600030101010101" pitchFamily="2" charset="-122"/>
               </a:defRPr>
             </a:lvl2pPr>
@@ -1522,7 +1485,7 @@
                 <a:solidFill>
                   <a:schemeClr val="tx1"/>
                 </a:solidFill>
-                <a:latin typeface="Arial" panose="020B0604020202020204" pitchFamily="34" charset="0"/>
+                <a:latin typeface="Arial" panose="020B0604020202090204" pitchFamily="34" charset="0"/>
                 <a:ea typeface="宋体" panose="02010600030101010101" pitchFamily="2" charset="-122"/>
               </a:defRPr>
             </a:lvl3pPr>
@@ -1531,7 +1494,7 @@
                 <a:solidFill>
                   <a:schemeClr val="tx1"/>
                 </a:solidFill>
-                <a:latin typeface="Arial" panose="020B0604020202020204" pitchFamily="34" charset="0"/>
+                <a:latin typeface="Arial" panose="020B0604020202090204" pitchFamily="34" charset="0"/>
                 <a:ea typeface="宋体" panose="02010600030101010101" pitchFamily="2" charset="-122"/>
               </a:defRPr>
             </a:lvl4pPr>
@@ -1540,7 +1503,7 @@
                 <a:solidFill>
                   <a:schemeClr val="tx1"/>
                 </a:solidFill>
-                <a:latin typeface="Arial" panose="020B0604020202020204" pitchFamily="34" charset="0"/>
+                <a:latin typeface="Arial" panose="020B0604020202090204" pitchFamily="34" charset="0"/>
                 <a:ea typeface="宋体" panose="02010600030101010101" pitchFamily="2" charset="-122"/>
               </a:defRPr>
             </a:lvl5pPr>
@@ -1555,7 +1518,7 @@
                 <a:solidFill>
                   <a:schemeClr val="tx1"/>
                 </a:solidFill>
-                <a:latin typeface="Arial" panose="020B0604020202020204" pitchFamily="34" charset="0"/>
+                <a:latin typeface="Arial" panose="020B0604020202090204" pitchFamily="34" charset="0"/>
                 <a:ea typeface="宋体" panose="02010600030101010101" pitchFamily="2" charset="-122"/>
               </a:defRPr>
             </a:lvl6pPr>
@@ -1570,7 +1533,7 @@
                 <a:solidFill>
                   <a:schemeClr val="tx1"/>
                 </a:solidFill>
-                <a:latin typeface="Arial" panose="020B0604020202020204" pitchFamily="34" charset="0"/>
+                <a:latin typeface="Arial" panose="020B0604020202090204" pitchFamily="34" charset="0"/>
                 <a:ea typeface="宋体" panose="02010600030101010101" pitchFamily="2" charset="-122"/>
               </a:defRPr>
             </a:lvl7pPr>
@@ -1585,7 +1548,7 @@
                 <a:solidFill>
                   <a:schemeClr val="tx1"/>
                 </a:solidFill>
-                <a:latin typeface="Arial" panose="020B0604020202020204" pitchFamily="34" charset="0"/>
+                <a:latin typeface="Arial" panose="020B0604020202090204" pitchFamily="34" charset="0"/>
                 <a:ea typeface="宋体" panose="02010600030101010101" pitchFamily="2" charset="-122"/>
               </a:defRPr>
             </a:lvl8pPr>
@@ -1600,7 +1563,7 @@
                 <a:solidFill>
                   <a:schemeClr val="tx1"/>
                 </a:solidFill>
-                <a:latin typeface="Arial" panose="020B0604020202020204" pitchFamily="34" charset="0"/>
+                <a:latin typeface="Arial" panose="020B0604020202090204" pitchFamily="34" charset="0"/>
                 <a:ea typeface="宋体" panose="02010600030101010101" pitchFamily="2" charset="-122"/>
               </a:defRPr>
             </a:lvl9pPr>
@@ -1608,18 +1571,12 @@
           <a:p>
             <a:fld id="{80DF3984-D036-8146-80F3-60605DE9315C}" type="slidenum">
               <a:rPr lang="zh-CN" altLang="en-US" sz="1200"/>
-              <a:t>7</a:t>
             </a:fld>
             <a:endParaRPr lang="zh-CN" altLang="en-US" sz="1200"/>
           </a:p>
         </p:txBody>
       </p:sp>
     </p:spTree>
-    <p:extLst>
-      <p:ext uri="{BB962C8B-B14F-4D97-AF65-F5344CB8AC3E}">
-        <p14:creationId xmlns:p14="http://schemas.microsoft.com/office/powerpoint/2010/main" val="195714073"/>
-      </p:ext>
-    </p:extLst>
   </p:cSld>
   <p:clrMapOvr>
     <a:masterClrMapping/>
@@ -1710,7 +1667,7 @@
           <a:lstStyle/>
           <a:p>
             <a:endParaRPr kumimoji="0" lang="zh-CN" altLang="en-US" dirty="0">
-              <a:latin typeface="Arial" panose="020B0604020202020204" pitchFamily="34" charset="0"/>
+              <a:latin typeface="Arial" panose="020B0604020202090204" pitchFamily="34" charset="0"/>
               <a:ea typeface="MS PGothic" panose="020B0600070205080204" charset="-128"/>
             </a:endParaRPr>
           </a:p>
@@ -1756,7 +1713,7 @@
                 <a:solidFill>
                   <a:schemeClr val="tx1"/>
                 </a:solidFill>
-                <a:latin typeface="Arial" panose="020B0604020202020204" pitchFamily="34" charset="0"/>
+                <a:latin typeface="Arial" panose="020B0604020202090204" pitchFamily="34" charset="0"/>
                 <a:ea typeface="宋体" panose="02010600030101010101" pitchFamily="2" charset="-122"/>
               </a:defRPr>
             </a:lvl1pPr>
@@ -1765,7 +1722,7 @@
                 <a:solidFill>
                   <a:schemeClr val="tx1"/>
                 </a:solidFill>
-                <a:latin typeface="Arial" panose="020B0604020202020204" pitchFamily="34" charset="0"/>
+                <a:latin typeface="Arial" panose="020B0604020202090204" pitchFamily="34" charset="0"/>
                 <a:ea typeface="宋体" panose="02010600030101010101" pitchFamily="2" charset="-122"/>
               </a:defRPr>
             </a:lvl2pPr>
@@ -1774,7 +1731,7 @@
                 <a:solidFill>
                   <a:schemeClr val="tx1"/>
                 </a:solidFill>
-                <a:latin typeface="Arial" panose="020B0604020202020204" pitchFamily="34" charset="0"/>
+                <a:latin typeface="Arial" panose="020B0604020202090204" pitchFamily="34" charset="0"/>
                 <a:ea typeface="宋体" panose="02010600030101010101" pitchFamily="2" charset="-122"/>
               </a:defRPr>
             </a:lvl3pPr>
@@ -1783,7 +1740,7 @@
                 <a:solidFill>
                   <a:schemeClr val="tx1"/>
                 </a:solidFill>
-                <a:latin typeface="Arial" panose="020B0604020202020204" pitchFamily="34" charset="0"/>
+                <a:latin typeface="Arial" panose="020B0604020202090204" pitchFamily="34" charset="0"/>
                 <a:ea typeface="宋体" panose="02010600030101010101" pitchFamily="2" charset="-122"/>
               </a:defRPr>
             </a:lvl4pPr>
@@ -1792,7 +1749,7 @@
                 <a:solidFill>
                   <a:schemeClr val="tx1"/>
                 </a:solidFill>
-                <a:latin typeface="Arial" panose="020B0604020202020204" pitchFamily="34" charset="0"/>
+                <a:latin typeface="Arial" panose="020B0604020202090204" pitchFamily="34" charset="0"/>
                 <a:ea typeface="宋体" panose="02010600030101010101" pitchFamily="2" charset="-122"/>
               </a:defRPr>
             </a:lvl5pPr>
@@ -1807,7 +1764,7 @@
                 <a:solidFill>
                   <a:schemeClr val="tx1"/>
                 </a:solidFill>
-                <a:latin typeface="Arial" panose="020B0604020202020204" pitchFamily="34" charset="0"/>
+                <a:latin typeface="Arial" panose="020B0604020202090204" pitchFamily="34" charset="0"/>
                 <a:ea typeface="宋体" panose="02010600030101010101" pitchFamily="2" charset="-122"/>
               </a:defRPr>
             </a:lvl6pPr>
@@ -1822,7 +1779,7 @@
                 <a:solidFill>
                   <a:schemeClr val="tx1"/>
                 </a:solidFill>
-                <a:latin typeface="Arial" panose="020B0604020202020204" pitchFamily="34" charset="0"/>
+                <a:latin typeface="Arial" panose="020B0604020202090204" pitchFamily="34" charset="0"/>
                 <a:ea typeface="宋体" panose="02010600030101010101" pitchFamily="2" charset="-122"/>
               </a:defRPr>
             </a:lvl7pPr>
@@ -1837,7 +1794,7 @@
                 <a:solidFill>
                   <a:schemeClr val="tx1"/>
                 </a:solidFill>
-                <a:latin typeface="Arial" panose="020B0604020202020204" pitchFamily="34" charset="0"/>
+                <a:latin typeface="Arial" panose="020B0604020202090204" pitchFamily="34" charset="0"/>
                 <a:ea typeface="宋体" panose="02010600030101010101" pitchFamily="2" charset="-122"/>
               </a:defRPr>
             </a:lvl8pPr>
@@ -1852,7 +1809,7 @@
                 <a:solidFill>
                   <a:schemeClr val="tx1"/>
                 </a:solidFill>
-                <a:latin typeface="Arial" panose="020B0604020202020204" pitchFamily="34" charset="0"/>
+                <a:latin typeface="Arial" panose="020B0604020202090204" pitchFamily="34" charset="0"/>
                 <a:ea typeface="宋体" panose="02010600030101010101" pitchFamily="2" charset="-122"/>
               </a:defRPr>
             </a:lvl9pPr>
@@ -1860,18 +1817,12 @@
           <a:p>
             <a:fld id="{80DF3984-D036-8146-80F3-60605DE9315C}" type="slidenum">
               <a:rPr lang="zh-CN" altLang="en-US" sz="1200"/>
-              <a:t>8</a:t>
             </a:fld>
             <a:endParaRPr lang="zh-CN" altLang="en-US" sz="1200"/>
           </a:p>
         </p:txBody>
       </p:sp>
     </p:spTree>
-    <p:extLst>
-      <p:ext uri="{BB962C8B-B14F-4D97-AF65-F5344CB8AC3E}">
-        <p14:creationId xmlns:p14="http://schemas.microsoft.com/office/powerpoint/2010/main" val="879406952"/>
-      </p:ext>
-    </p:extLst>
   </p:cSld>
   <p:clrMapOvr>
     <a:masterClrMapping/>
@@ -1962,7 +1913,7 @@
           <a:lstStyle/>
           <a:p>
             <a:endParaRPr kumimoji="0" lang="zh-CN" altLang="en-US" dirty="0">
-              <a:latin typeface="Arial" panose="020B0604020202020204" pitchFamily="34" charset="0"/>
+              <a:latin typeface="Arial" panose="020B0604020202090204" pitchFamily="34" charset="0"/>
               <a:ea typeface="MS PGothic" panose="020B0600070205080204" charset="-128"/>
             </a:endParaRPr>
           </a:p>
@@ -2008,7 +1959,7 @@
                 <a:solidFill>
                   <a:schemeClr val="tx1"/>
                 </a:solidFill>
-                <a:latin typeface="Arial" panose="020B0604020202020204" pitchFamily="34" charset="0"/>
+                <a:latin typeface="Arial" panose="020B0604020202090204" pitchFamily="34" charset="0"/>
                 <a:ea typeface="宋体" panose="02010600030101010101" pitchFamily="2" charset="-122"/>
               </a:defRPr>
             </a:lvl1pPr>
@@ -2017,7 +1968,7 @@
                 <a:solidFill>
                   <a:schemeClr val="tx1"/>
                 </a:solidFill>
-                <a:latin typeface="Arial" panose="020B0604020202020204" pitchFamily="34" charset="0"/>
+                <a:latin typeface="Arial" panose="020B0604020202090204" pitchFamily="34" charset="0"/>
                 <a:ea typeface="宋体" panose="02010600030101010101" pitchFamily="2" charset="-122"/>
               </a:defRPr>
             </a:lvl2pPr>
@@ -2026,7 +1977,7 @@
                 <a:solidFill>
                   <a:schemeClr val="tx1"/>
                 </a:solidFill>
-                <a:latin typeface="Arial" panose="020B0604020202020204" pitchFamily="34" charset="0"/>
+                <a:latin typeface="Arial" panose="020B0604020202090204" pitchFamily="34" charset="0"/>
                 <a:ea typeface="宋体" panose="02010600030101010101" pitchFamily="2" charset="-122"/>
               </a:defRPr>
             </a:lvl3pPr>
@@ -2035,7 +1986,7 @@
                 <a:solidFill>
                   <a:schemeClr val="tx1"/>
                 </a:solidFill>
-                <a:latin typeface="Arial" panose="020B0604020202020204" pitchFamily="34" charset="0"/>
+                <a:latin typeface="Arial" panose="020B0604020202090204" pitchFamily="34" charset="0"/>
                 <a:ea typeface="宋体" panose="02010600030101010101" pitchFamily="2" charset="-122"/>
               </a:defRPr>
             </a:lvl4pPr>
@@ -2044,7 +1995,7 @@
                 <a:solidFill>
                   <a:schemeClr val="tx1"/>
                 </a:solidFill>
-                <a:latin typeface="Arial" panose="020B0604020202020204" pitchFamily="34" charset="0"/>
+                <a:latin typeface="Arial" panose="020B0604020202090204" pitchFamily="34" charset="0"/>
                 <a:ea typeface="宋体" panose="02010600030101010101" pitchFamily="2" charset="-122"/>
               </a:defRPr>
             </a:lvl5pPr>
@@ -2059,7 +2010,7 @@
                 <a:solidFill>
                   <a:schemeClr val="tx1"/>
                 </a:solidFill>
-                <a:latin typeface="Arial" panose="020B0604020202020204" pitchFamily="34" charset="0"/>
+                <a:latin typeface="Arial" panose="020B0604020202090204" pitchFamily="34" charset="0"/>
                 <a:ea typeface="宋体" panose="02010600030101010101" pitchFamily="2" charset="-122"/>
               </a:defRPr>
             </a:lvl6pPr>
@@ -2074,7 +2025,7 @@
                 <a:solidFill>
                   <a:schemeClr val="tx1"/>
                 </a:solidFill>
-                <a:latin typeface="Arial" panose="020B0604020202020204" pitchFamily="34" charset="0"/>
+                <a:latin typeface="Arial" panose="020B0604020202090204" pitchFamily="34" charset="0"/>
                 <a:ea typeface="宋体" panose="02010600030101010101" pitchFamily="2" charset="-122"/>
               </a:defRPr>
             </a:lvl7pPr>
@@ -2089,7 +2040,7 @@
                 <a:solidFill>
                   <a:schemeClr val="tx1"/>
                 </a:solidFill>
-                <a:latin typeface="Arial" panose="020B0604020202020204" pitchFamily="34" charset="0"/>
+                <a:latin typeface="Arial" panose="020B0604020202090204" pitchFamily="34" charset="0"/>
                 <a:ea typeface="宋体" panose="02010600030101010101" pitchFamily="2" charset="-122"/>
               </a:defRPr>
             </a:lvl8pPr>
@@ -2104,7 +2055,7 @@
                 <a:solidFill>
                   <a:schemeClr val="tx1"/>
                 </a:solidFill>
-                <a:latin typeface="Arial" panose="020B0604020202020204" pitchFamily="34" charset="0"/>
+                <a:latin typeface="Arial" panose="020B0604020202090204" pitchFamily="34" charset="0"/>
                 <a:ea typeface="宋体" panose="02010600030101010101" pitchFamily="2" charset="-122"/>
               </a:defRPr>
             </a:lvl9pPr>
@@ -2112,18 +2063,12 @@
           <a:p>
             <a:fld id="{80DF3984-D036-8146-80F3-60605DE9315C}" type="slidenum">
               <a:rPr lang="zh-CN" altLang="en-US" sz="1200"/>
-              <a:t>10</a:t>
             </a:fld>
             <a:endParaRPr lang="zh-CN" altLang="en-US" sz="1200"/>
           </a:p>
         </p:txBody>
       </p:sp>
     </p:spTree>
-    <p:extLst>
-      <p:ext uri="{BB962C8B-B14F-4D97-AF65-F5344CB8AC3E}">
-        <p14:creationId xmlns:p14="http://schemas.microsoft.com/office/powerpoint/2010/main" val="911974567"/>
-      </p:ext>
-    </p:extLst>
   </p:cSld>
   <p:clrMapOvr>
     <a:masterClrMapping/>
@@ -2262,7 +2207,6 @@
           <a:p>
             <a:fld id="{D997B5FA-0921-464F-AAE1-844C04324D75}" type="datetimeFigureOut">
               <a:rPr lang="zh-CN" altLang="en-US" smtClean="0"/>
-              <a:t>2019/10/11</a:t>
             </a:fld>
             <a:endParaRPr lang="zh-CN" altLang="en-US"/>
           </a:p>
@@ -2304,7 +2248,6 @@
           <a:p>
             <a:fld id="{565CE74E-AB26-4998-AD42-012C4C1AD076}" type="slidenum">
               <a:rPr lang="zh-CN" altLang="en-US" smtClean="0"/>
-              <a:t>‹#›</a:t>
             </a:fld>
             <a:endParaRPr lang="zh-CN" altLang="en-US"/>
           </a:p>
@@ -2378,6 +2321,7 @@
               <a:rPr lang="zh-CN" altLang="en-US" smtClean="0"/>
               <a:t>单击此处编辑母版文本样式</a:t>
             </a:r>
+            <a:endParaRPr lang="zh-CN" altLang="en-US" smtClean="0"/>
           </a:p>
           <a:p>
             <a:pPr lvl="1"/>
@@ -2385,6 +2329,7 @@
               <a:rPr lang="zh-CN" altLang="en-US" smtClean="0"/>
               <a:t>第二级</a:t>
             </a:r>
+            <a:endParaRPr lang="zh-CN" altLang="en-US" smtClean="0"/>
           </a:p>
           <a:p>
             <a:pPr lvl="2"/>
@@ -2392,6 +2337,7 @@
               <a:rPr lang="zh-CN" altLang="en-US" smtClean="0"/>
               <a:t>第三级</a:t>
             </a:r>
+            <a:endParaRPr lang="zh-CN" altLang="en-US" smtClean="0"/>
           </a:p>
           <a:p>
             <a:pPr lvl="3"/>
@@ -2399,6 +2345,7 @@
               <a:rPr lang="zh-CN" altLang="en-US" smtClean="0"/>
               <a:t>第四级</a:t>
             </a:r>
+            <a:endParaRPr lang="zh-CN" altLang="en-US" smtClean="0"/>
           </a:p>
           <a:p>
             <a:pPr lvl="4"/>
@@ -2427,7 +2374,6 @@
           <a:p>
             <a:fld id="{D997B5FA-0921-464F-AAE1-844C04324D75}" type="datetimeFigureOut">
               <a:rPr lang="zh-CN" altLang="en-US" smtClean="0"/>
-              <a:t>2019/10/11</a:t>
             </a:fld>
             <a:endParaRPr lang="zh-CN" altLang="en-US"/>
           </a:p>
@@ -2469,7 +2415,6 @@
           <a:p>
             <a:fld id="{565CE74E-AB26-4998-AD42-012C4C1AD076}" type="slidenum">
               <a:rPr lang="zh-CN" altLang="en-US" smtClean="0"/>
-              <a:t>‹#›</a:t>
             </a:fld>
             <a:endParaRPr lang="zh-CN" altLang="en-US"/>
           </a:p>
@@ -2553,6 +2498,7 @@
               <a:rPr lang="zh-CN" altLang="en-US" smtClean="0"/>
               <a:t>单击此处编辑母版文本样式</a:t>
             </a:r>
+            <a:endParaRPr lang="zh-CN" altLang="en-US" smtClean="0"/>
           </a:p>
           <a:p>
             <a:pPr lvl="1"/>
@@ -2560,6 +2506,7 @@
               <a:rPr lang="zh-CN" altLang="en-US" smtClean="0"/>
               <a:t>第二级</a:t>
             </a:r>
+            <a:endParaRPr lang="zh-CN" altLang="en-US" smtClean="0"/>
           </a:p>
           <a:p>
             <a:pPr lvl="2"/>
@@ -2567,6 +2514,7 @@
               <a:rPr lang="zh-CN" altLang="en-US" smtClean="0"/>
               <a:t>第三级</a:t>
             </a:r>
+            <a:endParaRPr lang="zh-CN" altLang="en-US" smtClean="0"/>
           </a:p>
           <a:p>
             <a:pPr lvl="3"/>
@@ -2574,6 +2522,7 @@
               <a:rPr lang="zh-CN" altLang="en-US" smtClean="0"/>
               <a:t>第四级</a:t>
             </a:r>
+            <a:endParaRPr lang="zh-CN" altLang="en-US" smtClean="0"/>
           </a:p>
           <a:p>
             <a:pPr lvl="4"/>
@@ -2602,7 +2551,6 @@
           <a:p>
             <a:fld id="{D997B5FA-0921-464F-AAE1-844C04324D75}" type="datetimeFigureOut">
               <a:rPr lang="zh-CN" altLang="en-US" smtClean="0"/>
-              <a:t>2019/10/11</a:t>
             </a:fld>
             <a:endParaRPr lang="zh-CN" altLang="en-US"/>
           </a:p>
@@ -2644,7 +2592,6 @@
           <a:p>
             <a:fld id="{565CE74E-AB26-4998-AD42-012C4C1AD076}" type="slidenum">
               <a:rPr lang="zh-CN" altLang="en-US" smtClean="0"/>
-              <a:t>‹#›</a:t>
             </a:fld>
             <a:endParaRPr lang="zh-CN" altLang="en-US"/>
           </a:p>
@@ -2718,6 +2665,7 @@
               <a:rPr lang="zh-CN" altLang="en-US" smtClean="0"/>
               <a:t>单击此处编辑母版文本样式</a:t>
             </a:r>
+            <a:endParaRPr lang="zh-CN" altLang="en-US" smtClean="0"/>
           </a:p>
           <a:p>
             <a:pPr lvl="1"/>
@@ -2725,6 +2673,7 @@
               <a:rPr lang="zh-CN" altLang="en-US" smtClean="0"/>
               <a:t>第二级</a:t>
             </a:r>
+            <a:endParaRPr lang="zh-CN" altLang="en-US" smtClean="0"/>
           </a:p>
           <a:p>
             <a:pPr lvl="2"/>
@@ -2732,6 +2681,7 @@
               <a:rPr lang="zh-CN" altLang="en-US" smtClean="0"/>
               <a:t>第三级</a:t>
             </a:r>
+            <a:endParaRPr lang="zh-CN" altLang="en-US" smtClean="0"/>
           </a:p>
           <a:p>
             <a:pPr lvl="3"/>
@@ -2739,6 +2689,7 @@
               <a:rPr lang="zh-CN" altLang="en-US" smtClean="0"/>
               <a:t>第四级</a:t>
             </a:r>
+            <a:endParaRPr lang="zh-CN" altLang="en-US" smtClean="0"/>
           </a:p>
           <a:p>
             <a:pPr lvl="4"/>
@@ -2767,7 +2718,6 @@
           <a:p>
             <a:fld id="{D997B5FA-0921-464F-AAE1-844C04324D75}" type="datetimeFigureOut">
               <a:rPr lang="zh-CN" altLang="en-US" smtClean="0"/>
-              <a:t>2019/10/11</a:t>
             </a:fld>
             <a:endParaRPr lang="zh-CN" altLang="en-US"/>
           </a:p>
@@ -2809,7 +2759,6 @@
           <a:p>
             <a:fld id="{565CE74E-AB26-4998-AD42-012C4C1AD076}" type="slidenum">
               <a:rPr lang="zh-CN" altLang="en-US" smtClean="0"/>
-              <a:t>‹#›</a:t>
             </a:fld>
             <a:endParaRPr lang="zh-CN" altLang="en-US"/>
           </a:p>
@@ -2988,6 +2937,7 @@
               <a:rPr lang="zh-CN" altLang="en-US" smtClean="0"/>
               <a:t>单击此处编辑母版文本样式</a:t>
             </a:r>
+            <a:endParaRPr lang="zh-CN" altLang="en-US" smtClean="0"/>
           </a:p>
         </p:txBody>
       </p:sp>
@@ -3008,7 +2958,6 @@
           <a:p>
             <a:fld id="{D997B5FA-0921-464F-AAE1-844C04324D75}" type="datetimeFigureOut">
               <a:rPr lang="zh-CN" altLang="en-US" smtClean="0"/>
-              <a:t>2019/10/11</a:t>
             </a:fld>
             <a:endParaRPr lang="zh-CN" altLang="en-US"/>
           </a:p>
@@ -3050,7 +2999,6 @@
           <a:p>
             <a:fld id="{565CE74E-AB26-4998-AD42-012C4C1AD076}" type="slidenum">
               <a:rPr lang="zh-CN" altLang="en-US" smtClean="0"/>
-              <a:t>‹#›</a:t>
             </a:fld>
             <a:endParaRPr lang="zh-CN" altLang="en-US"/>
           </a:p>
@@ -3129,6 +3077,7 @@
               <a:rPr lang="zh-CN" altLang="en-US" smtClean="0"/>
               <a:t>单击此处编辑母版文本样式</a:t>
             </a:r>
+            <a:endParaRPr lang="zh-CN" altLang="en-US" smtClean="0"/>
           </a:p>
           <a:p>
             <a:pPr lvl="1"/>
@@ -3136,6 +3085,7 @@
               <a:rPr lang="zh-CN" altLang="en-US" smtClean="0"/>
               <a:t>第二级</a:t>
             </a:r>
+            <a:endParaRPr lang="zh-CN" altLang="en-US" smtClean="0"/>
           </a:p>
           <a:p>
             <a:pPr lvl="2"/>
@@ -3143,6 +3093,7 @@
               <a:rPr lang="zh-CN" altLang="en-US" smtClean="0"/>
               <a:t>第三级</a:t>
             </a:r>
+            <a:endParaRPr lang="zh-CN" altLang="en-US" smtClean="0"/>
           </a:p>
           <a:p>
             <a:pPr lvl="3"/>
@@ -3150,6 +3101,7 @@
               <a:rPr lang="zh-CN" altLang="en-US" smtClean="0"/>
               <a:t>第四级</a:t>
             </a:r>
+            <a:endParaRPr lang="zh-CN" altLang="en-US" smtClean="0"/>
           </a:p>
           <a:p>
             <a:pPr lvl="4"/>
@@ -3186,6 +3138,7 @@
               <a:rPr lang="zh-CN" altLang="en-US" smtClean="0"/>
               <a:t>单击此处编辑母版文本样式</a:t>
             </a:r>
+            <a:endParaRPr lang="zh-CN" altLang="en-US" smtClean="0"/>
           </a:p>
           <a:p>
             <a:pPr lvl="1"/>
@@ -3193,6 +3146,7 @@
               <a:rPr lang="zh-CN" altLang="en-US" smtClean="0"/>
               <a:t>第二级</a:t>
             </a:r>
+            <a:endParaRPr lang="zh-CN" altLang="en-US" smtClean="0"/>
           </a:p>
           <a:p>
             <a:pPr lvl="2"/>
@@ -3200,6 +3154,7 @@
               <a:rPr lang="zh-CN" altLang="en-US" smtClean="0"/>
               <a:t>第三级</a:t>
             </a:r>
+            <a:endParaRPr lang="zh-CN" altLang="en-US" smtClean="0"/>
           </a:p>
           <a:p>
             <a:pPr lvl="3"/>
@@ -3207,6 +3162,7 @@
               <a:rPr lang="zh-CN" altLang="en-US" smtClean="0"/>
               <a:t>第四级</a:t>
             </a:r>
+            <a:endParaRPr lang="zh-CN" altLang="en-US" smtClean="0"/>
           </a:p>
           <a:p>
             <a:pPr lvl="4"/>
@@ -3235,7 +3191,6 @@
           <a:p>
             <a:fld id="{D997B5FA-0921-464F-AAE1-844C04324D75}" type="datetimeFigureOut">
               <a:rPr lang="zh-CN" altLang="en-US" smtClean="0"/>
-              <a:t>2019/10/11</a:t>
             </a:fld>
             <a:endParaRPr lang="zh-CN" altLang="en-US"/>
           </a:p>
@@ -3277,7 +3232,6 @@
           <a:p>
             <a:fld id="{565CE74E-AB26-4998-AD42-012C4C1AD076}" type="slidenum">
               <a:rPr lang="zh-CN" altLang="en-US" smtClean="0"/>
-              <a:t>‹#›</a:t>
             </a:fld>
             <a:endParaRPr lang="zh-CN" altLang="en-US"/>
           </a:p>
@@ -3398,6 +3352,7 @@
               <a:rPr lang="zh-CN" altLang="en-US" smtClean="0"/>
               <a:t>单击此处编辑母版文本样式</a:t>
             </a:r>
+            <a:endParaRPr lang="zh-CN" altLang="en-US" smtClean="0"/>
           </a:p>
         </p:txBody>
       </p:sp>
@@ -3426,6 +3381,7 @@
               <a:rPr lang="zh-CN" altLang="en-US" smtClean="0"/>
               <a:t>单击此处编辑母版文本样式</a:t>
             </a:r>
+            <a:endParaRPr lang="zh-CN" altLang="en-US" smtClean="0"/>
           </a:p>
           <a:p>
             <a:pPr lvl="1"/>
@@ -3433,6 +3389,7 @@
               <a:rPr lang="zh-CN" altLang="en-US" smtClean="0"/>
               <a:t>第二级</a:t>
             </a:r>
+            <a:endParaRPr lang="zh-CN" altLang="en-US" smtClean="0"/>
           </a:p>
           <a:p>
             <a:pPr lvl="2"/>
@@ -3440,6 +3397,7 @@
               <a:rPr lang="zh-CN" altLang="en-US" smtClean="0"/>
               <a:t>第三级</a:t>
             </a:r>
+            <a:endParaRPr lang="zh-CN" altLang="en-US" smtClean="0"/>
           </a:p>
           <a:p>
             <a:pPr lvl="3"/>
@@ -3447,6 +3405,7 @@
               <a:rPr lang="zh-CN" altLang="en-US" smtClean="0"/>
               <a:t>第四级</a:t>
             </a:r>
+            <a:endParaRPr lang="zh-CN" altLang="en-US" smtClean="0"/>
           </a:p>
           <a:p>
             <a:pPr lvl="4"/>
@@ -3520,6 +3479,7 @@
               <a:rPr lang="zh-CN" altLang="en-US" smtClean="0"/>
               <a:t>单击此处编辑母版文本样式</a:t>
             </a:r>
+            <a:endParaRPr lang="zh-CN" altLang="en-US" smtClean="0"/>
           </a:p>
         </p:txBody>
       </p:sp>
@@ -3548,6 +3508,7 @@
               <a:rPr lang="zh-CN" altLang="en-US" smtClean="0"/>
               <a:t>单击此处编辑母版文本样式</a:t>
             </a:r>
+            <a:endParaRPr lang="zh-CN" altLang="en-US" smtClean="0"/>
           </a:p>
           <a:p>
             <a:pPr lvl="1"/>
@@ -3555,6 +3516,7 @@
               <a:rPr lang="zh-CN" altLang="en-US" smtClean="0"/>
               <a:t>第二级</a:t>
             </a:r>
+            <a:endParaRPr lang="zh-CN" altLang="en-US" smtClean="0"/>
           </a:p>
           <a:p>
             <a:pPr lvl="2"/>
@@ -3562,6 +3524,7 @@
               <a:rPr lang="zh-CN" altLang="en-US" smtClean="0"/>
               <a:t>第三级</a:t>
             </a:r>
+            <a:endParaRPr lang="zh-CN" altLang="en-US" smtClean="0"/>
           </a:p>
           <a:p>
             <a:pPr lvl="3"/>
@@ -3569,6 +3532,7 @@
               <a:rPr lang="zh-CN" altLang="en-US" smtClean="0"/>
               <a:t>第四级</a:t>
             </a:r>
+            <a:endParaRPr lang="zh-CN" altLang="en-US" smtClean="0"/>
           </a:p>
           <a:p>
             <a:pPr lvl="4"/>
@@ -3597,7 +3561,6 @@
           <a:p>
             <a:fld id="{D997B5FA-0921-464F-AAE1-844C04324D75}" type="datetimeFigureOut">
               <a:rPr lang="zh-CN" altLang="en-US" smtClean="0"/>
-              <a:t>2019/10/11</a:t>
             </a:fld>
             <a:endParaRPr lang="zh-CN" altLang="en-US"/>
           </a:p>
@@ -3639,7 +3602,6 @@
           <a:p>
             <a:fld id="{565CE74E-AB26-4998-AD42-012C4C1AD076}" type="slidenum">
               <a:rPr lang="zh-CN" altLang="en-US" smtClean="0"/>
-              <a:t>‹#›</a:t>
             </a:fld>
             <a:endParaRPr lang="zh-CN" altLang="en-US"/>
           </a:p>
@@ -3710,7 +3672,6 @@
           <a:p>
             <a:fld id="{D997B5FA-0921-464F-AAE1-844C04324D75}" type="datetimeFigureOut">
               <a:rPr lang="zh-CN" altLang="en-US" smtClean="0"/>
-              <a:t>2019/10/11</a:t>
             </a:fld>
             <a:endParaRPr lang="zh-CN" altLang="en-US"/>
           </a:p>
@@ -3752,7 +3713,6 @@
           <a:p>
             <a:fld id="{565CE74E-AB26-4998-AD42-012C4C1AD076}" type="slidenum">
               <a:rPr lang="zh-CN" altLang="en-US" smtClean="0"/>
-              <a:t>‹#›</a:t>
             </a:fld>
             <a:endParaRPr lang="zh-CN" altLang="en-US"/>
           </a:p>
@@ -3800,7 +3760,6 @@
           <a:p>
             <a:fld id="{D997B5FA-0921-464F-AAE1-844C04324D75}" type="datetimeFigureOut">
               <a:rPr lang="zh-CN" altLang="en-US" smtClean="0"/>
-              <a:t>2019/10/11</a:t>
             </a:fld>
             <a:endParaRPr lang="zh-CN" altLang="en-US"/>
           </a:p>
@@ -3842,7 +3801,6 @@
           <a:p>
             <a:fld id="{565CE74E-AB26-4998-AD42-012C4C1AD076}" type="slidenum">
               <a:rPr lang="zh-CN" altLang="en-US" smtClean="0"/>
-              <a:t>‹#›</a:t>
             </a:fld>
             <a:endParaRPr lang="zh-CN" altLang="en-US"/>
           </a:p>
@@ -3958,6 +3916,7 @@
               <a:rPr lang="zh-CN" altLang="en-US" smtClean="0"/>
               <a:t>单击此处编辑母版文本样式</a:t>
             </a:r>
+            <a:endParaRPr lang="zh-CN" altLang="en-US" smtClean="0"/>
           </a:p>
           <a:p>
             <a:pPr lvl="1"/>
@@ -3965,6 +3924,7 @@
               <a:rPr lang="zh-CN" altLang="en-US" smtClean="0"/>
               <a:t>第二级</a:t>
             </a:r>
+            <a:endParaRPr lang="zh-CN" altLang="en-US" smtClean="0"/>
           </a:p>
           <a:p>
             <a:pPr lvl="2"/>
@@ -3972,6 +3932,7 @@
               <a:rPr lang="zh-CN" altLang="en-US" smtClean="0"/>
               <a:t>第三级</a:t>
             </a:r>
+            <a:endParaRPr lang="zh-CN" altLang="en-US" smtClean="0"/>
           </a:p>
           <a:p>
             <a:pPr lvl="3"/>
@@ -3979,6 +3940,7 @@
               <a:rPr lang="zh-CN" altLang="en-US" smtClean="0"/>
               <a:t>第四级</a:t>
             </a:r>
+            <a:endParaRPr lang="zh-CN" altLang="en-US" smtClean="0"/>
           </a:p>
           <a:p>
             <a:pPr lvl="4"/>
@@ -4052,6 +4014,7 @@
               <a:rPr lang="zh-CN" altLang="en-US" smtClean="0"/>
               <a:t>单击此处编辑母版文本样式</a:t>
             </a:r>
+            <a:endParaRPr lang="zh-CN" altLang="en-US" smtClean="0"/>
           </a:p>
         </p:txBody>
       </p:sp>
@@ -4072,7 +4035,6 @@
           <a:p>
             <a:fld id="{D997B5FA-0921-464F-AAE1-844C04324D75}" type="datetimeFigureOut">
               <a:rPr lang="zh-CN" altLang="en-US" smtClean="0"/>
-              <a:t>2019/10/11</a:t>
             </a:fld>
             <a:endParaRPr lang="zh-CN" altLang="en-US"/>
           </a:p>
@@ -4114,7 +4076,6 @@
           <a:p>
             <a:fld id="{565CE74E-AB26-4998-AD42-012C4C1AD076}" type="slidenum">
               <a:rPr lang="zh-CN" altLang="en-US" smtClean="0"/>
-              <a:t>‹#›</a:t>
             </a:fld>
             <a:endParaRPr lang="zh-CN" altLang="en-US"/>
           </a:p>
@@ -4300,6 +4261,7 @@
               <a:rPr lang="zh-CN" altLang="en-US" smtClean="0"/>
               <a:t>单击此处编辑母版文本样式</a:t>
             </a:r>
+            <a:endParaRPr lang="zh-CN" altLang="en-US" smtClean="0"/>
           </a:p>
         </p:txBody>
       </p:sp>
@@ -4320,7 +4282,6 @@
           <a:p>
             <a:fld id="{D997B5FA-0921-464F-AAE1-844C04324D75}" type="datetimeFigureOut">
               <a:rPr lang="zh-CN" altLang="en-US" smtClean="0"/>
-              <a:t>2019/10/11</a:t>
             </a:fld>
             <a:endParaRPr lang="zh-CN" altLang="en-US"/>
           </a:p>
@@ -4362,7 +4323,6 @@
           <a:p>
             <a:fld id="{565CE74E-AB26-4998-AD42-012C4C1AD076}" type="slidenum">
               <a:rPr lang="zh-CN" altLang="en-US" smtClean="0"/>
-              <a:t>‹#›</a:t>
             </a:fld>
             <a:endParaRPr lang="zh-CN" altLang="en-US"/>
           </a:p>
@@ -4461,6 +4421,7 @@
               <a:rPr lang="zh-CN" altLang="en-US" smtClean="0"/>
               <a:t>单击此处编辑母版文本样式</a:t>
             </a:r>
+            <a:endParaRPr lang="zh-CN" altLang="en-US" smtClean="0"/>
           </a:p>
           <a:p>
             <a:pPr lvl="1"/>
@@ -4468,6 +4429,7 @@
               <a:rPr lang="zh-CN" altLang="en-US" smtClean="0"/>
               <a:t>第二级</a:t>
             </a:r>
+            <a:endParaRPr lang="zh-CN" altLang="en-US" smtClean="0"/>
           </a:p>
           <a:p>
             <a:pPr lvl="2"/>
@@ -4475,6 +4437,7 @@
               <a:rPr lang="zh-CN" altLang="en-US" smtClean="0"/>
               <a:t>第三级</a:t>
             </a:r>
+            <a:endParaRPr lang="zh-CN" altLang="en-US" smtClean="0"/>
           </a:p>
           <a:p>
             <a:pPr lvl="3"/>
@@ -4482,6 +4445,7 @@
               <a:rPr lang="zh-CN" altLang="en-US" smtClean="0"/>
               <a:t>第四级</a:t>
             </a:r>
+            <a:endParaRPr lang="zh-CN" altLang="en-US" smtClean="0"/>
           </a:p>
           <a:p>
             <a:pPr lvl="4"/>
@@ -4528,7 +4492,6 @@
           <a:p>
             <a:fld id="{D997B5FA-0921-464F-AAE1-844C04324D75}" type="datetimeFigureOut">
               <a:rPr lang="zh-CN" altLang="en-US" smtClean="0"/>
-              <a:t>2019/10/11</a:t>
             </a:fld>
             <a:endParaRPr lang="zh-CN" altLang="en-US"/>
           </a:p>
@@ -4606,7 +4569,6 @@
           <a:p>
             <a:fld id="{565CE74E-AB26-4998-AD42-012C4C1AD076}" type="slidenum">
               <a:rPr lang="zh-CN" altLang="en-US" smtClean="0"/>
-              <a:t>‹#›</a:t>
             </a:fld>
             <a:endParaRPr lang="zh-CN" altLang="en-US"/>
           </a:p>
@@ -4656,7 +4618,7 @@
         <a:spcBef>
           <a:spcPts val="1000"/>
         </a:spcBef>
-        <a:buFont typeface="Arial" panose="020B0604020202020204" pitchFamily="34" charset="0"/>
+        <a:buFont typeface="Arial" panose="020B0604020202090204" pitchFamily="34" charset="0"/>
         <a:buChar char="•"/>
         <a:defRPr sz="2800" kern="1200">
           <a:solidFill>
@@ -4674,7 +4636,7 @@
         <a:spcBef>
           <a:spcPts val="500"/>
         </a:spcBef>
-        <a:buFont typeface="Arial" panose="020B0604020202020204" pitchFamily="34" charset="0"/>
+        <a:buFont typeface="Arial" panose="020B0604020202090204" pitchFamily="34" charset="0"/>
         <a:buChar char="•"/>
         <a:defRPr sz="2400" kern="1200">
           <a:solidFill>
@@ -4692,7 +4654,7 @@
         <a:spcBef>
           <a:spcPts val="500"/>
         </a:spcBef>
-        <a:buFont typeface="Arial" panose="020B0604020202020204" pitchFamily="34" charset="0"/>
+        <a:buFont typeface="Arial" panose="020B0604020202090204" pitchFamily="34" charset="0"/>
         <a:buChar char="•"/>
         <a:defRPr sz="2000" kern="1200">
           <a:solidFill>
@@ -4710,7 +4672,7 @@
         <a:spcBef>
           <a:spcPts val="500"/>
         </a:spcBef>
-        <a:buFont typeface="Arial" panose="020B0604020202020204" pitchFamily="34" charset="0"/>
+        <a:buFont typeface="Arial" panose="020B0604020202090204" pitchFamily="34" charset="0"/>
         <a:buChar char="•"/>
         <a:defRPr sz="1800" kern="1200">
           <a:solidFill>
@@ -4728,7 +4690,7 @@
         <a:spcBef>
           <a:spcPts val="500"/>
         </a:spcBef>
-        <a:buFont typeface="Arial" panose="020B0604020202020204" pitchFamily="34" charset="0"/>
+        <a:buFont typeface="Arial" panose="020B0604020202090204" pitchFamily="34" charset="0"/>
         <a:buChar char="•"/>
         <a:defRPr sz="1800" kern="1200">
           <a:solidFill>
@@ -4746,7 +4708,7 @@
         <a:spcBef>
           <a:spcPts val="500"/>
         </a:spcBef>
-        <a:buFont typeface="Arial" panose="020B0604020202020204" pitchFamily="34" charset="0"/>
+        <a:buFont typeface="Arial" panose="020B0604020202090204" pitchFamily="34" charset="0"/>
         <a:buChar char="•"/>
         <a:defRPr sz="1800" kern="1200">
           <a:solidFill>
@@ -4764,7 +4726,7 @@
         <a:spcBef>
           <a:spcPts val="500"/>
         </a:spcBef>
-        <a:buFont typeface="Arial" panose="020B0604020202020204" pitchFamily="34" charset="0"/>
+        <a:buFont typeface="Arial" panose="020B0604020202090204" pitchFamily="34" charset="0"/>
         <a:buChar char="•"/>
         <a:defRPr sz="1800" kern="1200">
           <a:solidFill>
@@ -4782,7 +4744,7 @@
         <a:spcBef>
           <a:spcPts val="500"/>
         </a:spcBef>
-        <a:buFont typeface="Arial" panose="020B0604020202020204" pitchFamily="34" charset="0"/>
+        <a:buFont typeface="Arial" panose="020B0604020202090204" pitchFamily="34" charset="0"/>
         <a:buChar char="•"/>
         <a:defRPr sz="1800" kern="1200">
           <a:solidFill>
@@ -4800,7 +4762,7 @@
         <a:spcBef>
           <a:spcPts val="500"/>
         </a:spcBef>
-        <a:buFont typeface="Arial" panose="020B0604020202020204" pitchFamily="34" charset="0"/>
+        <a:buFont typeface="Arial" panose="020B0604020202090204" pitchFamily="34" charset="0"/>
         <a:buChar char="•"/>
         <a:defRPr sz="1800" kern="1200">
           <a:solidFill>
@@ -4936,7 +4898,7 @@
         </p:nvSpPr>
         <p:spPr>
           <a:xfrm>
-            <a:off x="345440" y="156845"/>
+            <a:off x="345440" y="165100"/>
             <a:ext cx="11457940" cy="6385560"/>
           </a:xfrm>
           <a:prstGeom prst="flowChartAlternateProcess">
@@ -5054,6 +5016,7 @@
               <a:rPr lang="en-US" altLang="zh-CN" sz="3200" b="1" dirty="0"/>
               <a:t>v1.1</a:t>
             </a:r>
+            <a:endParaRPr lang="en-US" altLang="zh-CN" sz="3200" b="1" dirty="0"/>
           </a:p>
         </p:txBody>
       </p:sp>
@@ -5247,6 +5210,15 @@
               </a:rPr>
               <a:t>调度中心</a:t>
             </a:r>
+            <a:endParaRPr lang="zh-CN" altLang="en-US" sz="2400" b="1">
+              <a:solidFill>
+                <a:schemeClr val="accent5">
+                  <a:lumMod val="50000"/>
+                </a:schemeClr>
+              </a:solidFill>
+              <a:latin typeface="微软雅黑" panose="020B0503020204020204" charset="-122"/>
+              <a:ea typeface="微软雅黑" panose="020B0503020204020204" charset="-122"/>
+            </a:endParaRPr>
           </a:p>
         </p:txBody>
       </p:sp>
@@ -5343,6 +5315,13 @@
               </a:rPr>
               <a:t>任务池</a:t>
             </a:r>
+            <a:endParaRPr lang="zh-CN" altLang="en-US" b="1">
+              <a:solidFill>
+                <a:schemeClr val="tx1"/>
+              </a:solidFill>
+              <a:latin typeface="微软雅黑" panose="020B0503020204020204" charset="-122"/>
+              <a:ea typeface="微软雅黑" panose="020B0503020204020204" charset="-122"/>
+            </a:endParaRPr>
           </a:p>
         </p:txBody>
       </p:sp>
@@ -5394,6 +5373,10 @@
               </a:rPr>
               <a:t>JOB</a:t>
             </a:r>
+            <a:endParaRPr lang="en-US" altLang="zh-CN" dirty="0">
+              <a:latin typeface="微软雅黑" panose="020B0503020204020204" charset="-122"/>
+              <a:ea typeface="微软雅黑" panose="020B0503020204020204" charset="-122"/>
+            </a:endParaRPr>
           </a:p>
         </p:txBody>
       </p:sp>
@@ -5460,6 +5443,10 @@
               </a:rPr>
               <a:t>JOB</a:t>
             </a:r>
+            <a:endParaRPr lang="en-US" altLang="zh-CN" dirty="0">
+              <a:latin typeface="微软雅黑" panose="020B0503020204020204" charset="-122"/>
+              <a:ea typeface="微软雅黑" panose="020B0503020204020204" charset="-122"/>
+            </a:endParaRPr>
           </a:p>
         </p:txBody>
       </p:sp>
@@ -5504,6 +5491,10 @@
               </a:rPr>
               <a:t>……</a:t>
             </a:r>
+            <a:endParaRPr lang="en-US" altLang="zh-CN" dirty="0">
+              <a:latin typeface="微软雅黑" panose="020B0503020204020204" charset="-122"/>
+              <a:ea typeface="微软雅黑" panose="020B0503020204020204" charset="-122"/>
+            </a:endParaRPr>
           </a:p>
         </p:txBody>
       </p:sp>
@@ -5560,6 +5551,10 @@
               </a:rPr>
               <a:t>A</a:t>
             </a:r>
+            <a:endParaRPr lang="en-US" altLang="zh-CN" dirty="0">
+              <a:latin typeface="微软雅黑" panose="020B0503020204020204" charset="-122"/>
+              <a:ea typeface="微软雅黑" panose="020B0503020204020204" charset="-122"/>
+            </a:endParaRPr>
           </a:p>
           <a:p>
             <a:pPr algn="ctr"/>
@@ -5570,6 +5565,10 @@
               </a:rPr>
               <a:t>【block】</a:t>
             </a:r>
+            <a:endParaRPr lang="zh-CN" altLang="en-US">
+              <a:latin typeface="微软雅黑" panose="020B0503020204020204" charset="-122"/>
+              <a:ea typeface="微软雅黑" panose="020B0503020204020204" charset="-122"/>
+            </a:endParaRPr>
           </a:p>
         </p:txBody>
       </p:sp>
@@ -5626,6 +5625,10 @@
               </a:rPr>
               <a:t>B</a:t>
             </a:r>
+            <a:endParaRPr lang="en-US" altLang="zh-CN" dirty="0">
+              <a:latin typeface="微软雅黑" panose="020B0503020204020204" charset="-122"/>
+              <a:ea typeface="微软雅黑" panose="020B0503020204020204" charset="-122"/>
+            </a:endParaRPr>
           </a:p>
           <a:p>
             <a:pPr algn="ctr"/>
@@ -5692,6 +5695,10 @@
               </a:rPr>
               <a:t>C</a:t>
             </a:r>
+            <a:endParaRPr lang="en-US" altLang="zh-CN" dirty="0">
+              <a:latin typeface="微软雅黑" panose="020B0503020204020204" charset="-122"/>
+              <a:ea typeface="微软雅黑" panose="020B0503020204020204" charset="-122"/>
+            </a:endParaRPr>
           </a:p>
           <a:p>
             <a:pPr algn="ctr"/>
@@ -5756,6 +5763,13 @@
               </a:rPr>
               <a:t>调度日志</a:t>
             </a:r>
+            <a:endParaRPr lang="zh-CN" altLang="en-US" b="1">
+              <a:solidFill>
+                <a:schemeClr val="tx1"/>
+              </a:solidFill>
+              <a:latin typeface="微软雅黑" panose="020B0503020204020204" charset="-122"/>
+              <a:ea typeface="微软雅黑" panose="020B0503020204020204" charset="-122"/>
+            </a:endParaRPr>
           </a:p>
         </p:txBody>
       </p:sp>
@@ -5965,6 +5979,15 @@
               </a:rPr>
               <a:t>执行器</a:t>
             </a:r>
+            <a:endParaRPr lang="zh-CN" altLang="en-US" sz="2400" b="1">
+              <a:solidFill>
+                <a:schemeClr val="accent1">
+                  <a:lumMod val="50000"/>
+                </a:schemeClr>
+              </a:solidFill>
+              <a:latin typeface="微软雅黑" panose="020B0503020204020204" charset="-122"/>
+              <a:ea typeface="微软雅黑" panose="020B0503020204020204" charset="-122"/>
+            </a:endParaRPr>
           </a:p>
         </p:txBody>
       </p:sp>
@@ -6140,6 +6163,10 @@
               </a:rPr>
               <a:t>调度队列</a:t>
             </a:r>
+            <a:endParaRPr lang="zh-CN" altLang="en-US" sz="1600" b="1">
+              <a:latin typeface="微软雅黑" panose="020B0503020204020204" charset="-122"/>
+              <a:ea typeface="微软雅黑" panose="020B0503020204020204" charset="-122"/>
+            </a:endParaRPr>
           </a:p>
         </p:txBody>
       </p:sp>
@@ -6232,6 +6259,10 @@
               </a:rPr>
               <a:t>调度请求</a:t>
             </a:r>
+            <a:endParaRPr lang="zh-CN" altLang="en-US" sz="1600">
+              <a:latin typeface="微软雅黑" panose="020B0503020204020204" charset="-122"/>
+              <a:ea typeface="微软雅黑" panose="020B0503020204020204" charset="-122"/>
+            </a:endParaRPr>
           </a:p>
         </p:txBody>
       </p:sp>
@@ -6276,6 +6307,10 @@
               </a:rPr>
               <a:t>调度请求</a:t>
             </a:r>
+            <a:endParaRPr lang="zh-CN" altLang="en-US" sz="1600">
+              <a:latin typeface="微软雅黑" panose="020B0503020204020204" charset="-122"/>
+              <a:ea typeface="微软雅黑" panose="020B0503020204020204" charset="-122"/>
+            </a:endParaRPr>
           </a:p>
         </p:txBody>
       </p:sp>
@@ -6320,6 +6355,10 @@
               </a:rPr>
               <a:t>……</a:t>
             </a:r>
+            <a:endParaRPr lang="en-US" altLang="zh-CN" sz="1600" dirty="0">
+              <a:latin typeface="微软雅黑" panose="020B0503020204020204" charset="-122"/>
+              <a:ea typeface="微软雅黑" panose="020B0503020204020204" charset="-122"/>
+            </a:endParaRPr>
           </a:p>
         </p:txBody>
       </p:sp>
@@ -6361,6 +6400,7 @@
               <a:rPr lang="zh-CN" altLang="en-US" sz="1600" b="1"/>
               <a:t>任务执行</a:t>
             </a:r>
+            <a:endParaRPr lang="zh-CN" altLang="en-US" sz="1600" b="1"/>
           </a:p>
           <a:p>
             <a:pPr algn="ctr"/>
@@ -6368,6 +6408,7 @@
               <a:rPr lang="zh-CN" altLang="en-US" sz="1600" b="1"/>
               <a:t>【业务逻辑】</a:t>
             </a:r>
+            <a:endParaRPr lang="zh-CN" altLang="en-US" sz="1600" b="1"/>
           </a:p>
         </p:txBody>
       </p:sp>
@@ -6451,6 +6492,14 @@
               </a:rPr>
               <a:t>调度中心</a:t>
             </a:r>
+            <a:endParaRPr kumimoji="1" lang="zh-CN" altLang="en-US" sz="1600" b="1" dirty="0">
+              <a:solidFill>
+                <a:schemeClr val="tx1"/>
+              </a:solidFill>
+              <a:latin typeface="Heiti SC Light" charset="-122"/>
+              <a:ea typeface="Heiti SC Light" charset="-122"/>
+              <a:cs typeface="Heiti SC Light" charset="-122"/>
+            </a:endParaRPr>
           </a:p>
         </p:txBody>
       </p:sp>
@@ -6553,6 +6602,11 @@
               </a:rPr>
               <a:t>注册服务</a:t>
             </a:r>
+            <a:endParaRPr kumimoji="1" lang="zh-CN" altLang="en-US" sz="1400" dirty="0" smtClean="0">
+              <a:latin typeface="Heiti SC Light" charset="-122"/>
+              <a:ea typeface="Heiti SC Light" charset="-122"/>
+              <a:cs typeface="Heiti SC Light" charset="-122"/>
+            </a:endParaRPr>
           </a:p>
         </p:txBody>
       </p:sp>
@@ -6606,6 +6660,11 @@
               </a:rPr>
               <a:t>任务管理</a:t>
             </a:r>
+            <a:endParaRPr kumimoji="1" lang="zh-CN" altLang="en-US" sz="1400" b="1" dirty="0" smtClean="0">
+              <a:latin typeface="Heiti SC Light" charset="-122"/>
+              <a:ea typeface="Heiti SC Light" charset="-122"/>
+              <a:cs typeface="Heiti SC Light" charset="-122"/>
+            </a:endParaRPr>
           </a:p>
         </p:txBody>
       </p:sp>
@@ -7225,6 +7284,11 @@
               </a:rPr>
               <a:t>服务</a:t>
             </a:r>
+            <a:endParaRPr kumimoji="1" lang="zh-CN" altLang="en-US" sz="1400" dirty="0" smtClean="0">
+              <a:latin typeface="Heiti SC Light" charset="-122"/>
+              <a:ea typeface="Heiti SC Light" charset="-122"/>
+              <a:cs typeface="Heiti SC Light" charset="-122"/>
+            </a:endParaRPr>
           </a:p>
         </p:txBody>
       </p:sp>
@@ -7278,6 +7342,11 @@
               </a:rPr>
               <a:t>日志管理</a:t>
             </a:r>
+            <a:endParaRPr kumimoji="1" lang="zh-CN" altLang="en-US" sz="1400" b="1" dirty="0">
+              <a:latin typeface="Heiti SC Light" charset="-122"/>
+              <a:ea typeface="Heiti SC Light" charset="-122"/>
+              <a:cs typeface="Heiti SC Light" charset="-122"/>
+            </a:endParaRPr>
           </a:p>
         </p:txBody>
       </p:sp>
@@ -7328,6 +7397,11 @@
               </a:rPr>
               <a:t>调度日志</a:t>
             </a:r>
+            <a:endParaRPr kumimoji="1" lang="zh-CN" altLang="en-US" sz="1400" dirty="0">
+              <a:latin typeface="Heiti SC Light" charset="-122"/>
+              <a:ea typeface="Heiti SC Light" charset="-122"/>
+              <a:cs typeface="Heiti SC Light" charset="-122"/>
+            </a:endParaRPr>
           </a:p>
         </p:txBody>
       </p:sp>
@@ -7386,6 +7460,11 @@
               </a:rPr>
               <a:t>日志</a:t>
             </a:r>
+            <a:endParaRPr kumimoji="1" lang="zh-CN" altLang="en-US" sz="1400" dirty="0">
+              <a:latin typeface="Heiti SC Light" charset="-122"/>
+              <a:ea typeface="Heiti SC Light" charset="-122"/>
+              <a:cs typeface="Heiti SC Light" charset="-122"/>
+            </a:endParaRPr>
           </a:p>
         </p:txBody>
       </p:sp>
@@ -7444,6 +7523,11 @@
               </a:rPr>
               <a:t>版本日志</a:t>
             </a:r>
+            <a:endParaRPr kumimoji="1" lang="zh-CN" altLang="en-US" sz="1400" dirty="0">
+              <a:latin typeface="Heiti SC Light" charset="-122"/>
+              <a:ea typeface="Heiti SC Light" charset="-122"/>
+              <a:cs typeface="Heiti SC Light" charset="-122"/>
+            </a:endParaRPr>
           </a:p>
         </p:txBody>
       </p:sp>
@@ -7552,6 +7636,11 @@
               </a:rPr>
               <a:t>其他</a:t>
             </a:r>
+            <a:endParaRPr kumimoji="1" lang="zh-CN" altLang="en-US" sz="1400" b="1" dirty="0" smtClean="0">
+              <a:latin typeface="Heiti SC Light" charset="-122"/>
+              <a:ea typeface="Heiti SC Light" charset="-122"/>
+              <a:cs typeface="Heiti SC Light" charset="-122"/>
+            </a:endParaRPr>
           </a:p>
         </p:txBody>
       </p:sp>
@@ -8059,6 +8148,11 @@
               </a:rPr>
               <a:t>调度结果</a:t>
             </a:r>
+            <a:endParaRPr kumimoji="1" lang="zh-CN" altLang="en-US" sz="1400" dirty="0" smtClean="0">
+              <a:latin typeface="Heiti SC Light" charset="-122"/>
+              <a:ea typeface="Heiti SC Light" charset="-122"/>
+              <a:cs typeface="Heiti SC Light" charset="-122"/>
+            </a:endParaRPr>
           </a:p>
           <a:p>
             <a:pPr algn="ctr"/>
@@ -8211,6 +8305,11 @@
               </a:rPr>
               <a:t>任务线程</a:t>
             </a:r>
+            <a:endParaRPr kumimoji="1" lang="zh-CN" altLang="en-US" sz="1400" dirty="0">
+              <a:latin typeface="Heiti SC Light" charset="-122"/>
+              <a:ea typeface="Heiti SC Light" charset="-122"/>
+              <a:cs typeface="Heiti SC Light" charset="-122"/>
+            </a:endParaRPr>
           </a:p>
         </p:txBody>
       </p:sp>
@@ -8256,6 +8355,11 @@
               </a:rPr>
               <a:t>调度请求</a:t>
             </a:r>
+            <a:endParaRPr kumimoji="1" lang="zh-CN" altLang="en-US" sz="1400" dirty="0">
+              <a:latin typeface="Heiti SC Light" charset="-122"/>
+              <a:ea typeface="Heiti SC Light" charset="-122"/>
+              <a:cs typeface="Heiti SC Light" charset="-122"/>
+            </a:endParaRPr>
           </a:p>
           <a:p>
             <a:pPr algn="ctr"/>
@@ -8389,6 +8493,11 @@
               </a:rPr>
               <a:t>）</a:t>
             </a:r>
+            <a:endParaRPr kumimoji="1" lang="zh-CN" altLang="en-US" sz="1400" dirty="0" smtClean="0">
+              <a:latin typeface="Heiti SC Light" charset="-122"/>
+              <a:ea typeface="Heiti SC Light" charset="-122"/>
+              <a:cs typeface="Heiti SC Light" charset="-122"/>
+            </a:endParaRPr>
           </a:p>
         </p:txBody>
       </p:sp>
@@ -8523,41 +8632,46 @@
               </a:rPr>
               <a:t>执行日志</a:t>
             </a:r>
-          </a:p>
-          <a:p>
-            <a:pPr algn="ctr">
-              <a:defRPr/>
-            </a:pPr>
-            <a:r>
-              <a:rPr kumimoji="1" lang="en-US" altLang="zh-CN" sz="1400" dirty="0">
-                <a:latin typeface="Heiti SC Light" charset="-122"/>
-                <a:ea typeface="Heiti SC Light" charset="-122"/>
-                <a:cs typeface="Heiti SC Light" charset="-122"/>
-              </a:rPr>
-              <a:t>(Log</a:t>
-            </a:r>
-            <a:r>
-              <a:rPr kumimoji="1" lang="zh-CN" altLang="en-US" sz="1400" dirty="0">
-                <a:latin typeface="Heiti SC Light" charset="-122"/>
-                <a:ea typeface="Heiti SC Light" charset="-122"/>
-                <a:cs typeface="Heiti SC Light" charset="-122"/>
-              </a:rPr>
-              <a:t>文件</a:t>
-            </a:r>
-            <a:r>
-              <a:rPr kumimoji="1" lang="en-US" altLang="zh-CN" sz="1400" dirty="0">
-                <a:latin typeface="Heiti SC Light" charset="-122"/>
-                <a:ea typeface="Heiti SC Light" charset="-122"/>
-                <a:cs typeface="Heiti SC Light" charset="-122"/>
-              </a:rPr>
-              <a:t>)</a:t>
-            </a:r>
             <a:endParaRPr kumimoji="1" lang="zh-CN" altLang="en-US" sz="1400" dirty="0">
               <a:latin typeface="Heiti SC Light" charset="-122"/>
               <a:ea typeface="Heiti SC Light" charset="-122"/>
               <a:cs typeface="Heiti SC Light" charset="-122"/>
             </a:endParaRPr>
           </a:p>
+          <a:p>
+            <a:pPr algn="ctr">
+              <a:defRPr/>
+            </a:pPr>
+            <a:r>
+              <a:rPr kumimoji="1" lang="en-US" altLang="zh-CN" sz="1400" dirty="0">
+                <a:latin typeface="Heiti SC Light" charset="-122"/>
+                <a:ea typeface="Heiti SC Light" charset="-122"/>
+                <a:cs typeface="Heiti SC Light" charset="-122"/>
+              </a:rPr>
+              <a:t>(Log</a:t>
+            </a:r>
+            <a:r>
+              <a:rPr kumimoji="1" lang="zh-CN" altLang="en-US" sz="1400" dirty="0">
+                <a:latin typeface="Heiti SC Light" charset="-122"/>
+                <a:ea typeface="Heiti SC Light" charset="-122"/>
+                <a:cs typeface="Heiti SC Light" charset="-122"/>
+              </a:rPr>
+              <a:t>文件</a:t>
+            </a:r>
+            <a:r>
+              <a:rPr kumimoji="1" lang="en-US" altLang="zh-CN" sz="1400" dirty="0">
+                <a:latin typeface="Heiti SC Light" charset="-122"/>
+                <a:ea typeface="Heiti SC Light" charset="-122"/>
+                <a:cs typeface="Heiti SC Light" charset="-122"/>
+              </a:rPr>
+              <a:t>)</a:t>
+            </a:r>
+            <a:endParaRPr kumimoji="1" lang="zh-CN" altLang="en-US" sz="1400" dirty="0">
+              <a:latin typeface="Heiti SC Light" charset="-122"/>
+              <a:ea typeface="Heiti SC Light" charset="-122"/>
+              <a:cs typeface="Heiti SC Light" charset="-122"/>
+            </a:endParaRPr>
+          </a:p>
         </p:txBody>
       </p:sp>
       <p:sp>
@@ -8605,6 +8719,11 @@
               </a:rPr>
               <a:t>回调线程</a:t>
             </a:r>
+            <a:endParaRPr kumimoji="1" lang="zh-CN" altLang="en-US" sz="1400" dirty="0">
+              <a:latin typeface="Heiti SC Light" charset="-122"/>
+              <a:ea typeface="Heiti SC Light" charset="-122"/>
+              <a:cs typeface="Heiti SC Light" charset="-122"/>
+            </a:endParaRPr>
           </a:p>
         </p:txBody>
       </p:sp>
@@ -8733,97 +8852,39 @@
               </a:rPr>
               <a:t>日志</a:t>
             </a:r>
-          </a:p>
-          <a:p>
-            <a:pPr algn="ctr">
-              <a:defRPr/>
-            </a:pPr>
-            <a:r>
-              <a:rPr kumimoji="1" lang="en-US" altLang="zh-CN" sz="1400" dirty="0">
-                <a:latin typeface="Heiti SC Light" charset="-122"/>
-                <a:ea typeface="Heiti SC Light" charset="-122"/>
-                <a:cs typeface="Heiti SC Light" charset="-122"/>
-              </a:rPr>
-              <a:t>(</a:t>
-            </a:r>
-            <a:r>
-              <a:rPr kumimoji="1" lang="zh-CN" altLang="en-US" sz="1400" dirty="0">
-                <a:latin typeface="Heiti SC Light" charset="-122"/>
-                <a:ea typeface="Heiti SC Light" charset="-122"/>
-                <a:cs typeface="Heiti SC Light" charset="-122"/>
-              </a:rPr>
-              <a:t>实时</a:t>
-            </a:r>
-            <a:r>
-              <a:rPr kumimoji="1" lang="en-US" altLang="zh-CN" sz="1400" dirty="0">
-                <a:latin typeface="Heiti SC Light" charset="-122"/>
-                <a:ea typeface="Heiti SC Light" charset="-122"/>
-                <a:cs typeface="Heiti SC Light" charset="-122"/>
-              </a:rPr>
-              <a:t>)</a:t>
-            </a:r>
             <a:endParaRPr kumimoji="1" lang="zh-CN" altLang="en-US" sz="1400" dirty="0">
               <a:latin typeface="Heiti SC Light" charset="-122"/>
               <a:ea typeface="Heiti SC Light" charset="-122"/>
               <a:cs typeface="Heiti SC Light" charset="-122"/>
             </a:endParaRPr>
           </a:p>
-        </p:txBody>
-      </p:sp>
-      <p:sp>
-        <p:nvSpPr>
-          <p:cNvPr id="122" name="可选流程 121"/>
-          <p:cNvSpPr/>
-          <p:nvPr/>
-        </p:nvSpPr>
-        <p:spPr>
-          <a:xfrm>
-            <a:off x="6959118" y="2073918"/>
-            <a:ext cx="1074713" cy="580685"/>
-          </a:xfrm>
-          <a:prstGeom prst="flowChartAlternateProcess">
-            <a:avLst/>
-          </a:prstGeom>
-          <a:solidFill>
-            <a:srgbClr val="6095C9"/>
-          </a:solidFill>
-        </p:spPr>
-        <p:style>
-          <a:lnRef idx="0">
-            <a:schemeClr val="accent1"/>
-          </a:lnRef>
-          <a:fillRef idx="3">
-            <a:schemeClr val="accent1"/>
-          </a:fillRef>
-          <a:effectRef idx="3">
-            <a:schemeClr val="accent1"/>
-          </a:effectRef>
-          <a:fontRef idx="minor">
-            <a:schemeClr val="lt1"/>
-          </a:fontRef>
-        </p:style>
-        <p:txBody>
-          <a:bodyPr anchor="ctr"/>
-          <a:lstStyle/>
           <a:p>
             <a:pPr algn="ctr">
               <a:defRPr/>
             </a:pPr>
             <a:r>
+              <a:rPr kumimoji="1" lang="en-US" altLang="zh-CN" sz="1400" dirty="0">
+                <a:latin typeface="Heiti SC Light" charset="-122"/>
+                <a:ea typeface="Heiti SC Light" charset="-122"/>
+                <a:cs typeface="Heiti SC Light" charset="-122"/>
+              </a:rPr>
+              <a:t>(</a:t>
+            </a:r>
+            <a:r>
               <a:rPr kumimoji="1" lang="zh-CN" altLang="en-US" sz="1400" dirty="0">
                 <a:latin typeface="Heiti SC Light" charset="-122"/>
                 <a:ea typeface="Heiti SC Light" charset="-122"/>
                 <a:cs typeface="Heiti SC Light" charset="-122"/>
               </a:rPr>
-              <a:t>日志</a:t>
-            </a:r>
-            <a:r>
-              <a:rPr kumimoji="1" lang="zh-CN" altLang="en-US" sz="1400" dirty="0" smtClean="0">
-                <a:latin typeface="Heiti SC Light" charset="-122"/>
-                <a:ea typeface="Heiti SC Light" charset="-122"/>
-                <a:cs typeface="Heiti SC Light" charset="-122"/>
-              </a:rPr>
-              <a:t>服务</a:t>
+              <a:t>实时</a:t>
+            </a:r>
+            <a:r>
+              <a:rPr kumimoji="1" lang="en-US" altLang="zh-CN" sz="1400" dirty="0">
+                <a:latin typeface="Heiti SC Light" charset="-122"/>
+                <a:ea typeface="Heiti SC Light" charset="-122"/>
+                <a:cs typeface="Heiti SC Light" charset="-122"/>
+              </a:rPr>
+              <a:t>)</a:t>
             </a:r>
             <a:endParaRPr kumimoji="1" lang="zh-CN" altLang="en-US" sz="1400" dirty="0">
               <a:latin typeface="Heiti SC Light" charset="-122"/>
@@ -8835,6 +8896,69 @@
       </p:sp>
       <p:sp>
         <p:nvSpPr>
+          <p:cNvPr id="122" name="可选流程 121"/>
+          <p:cNvSpPr/>
+          <p:nvPr/>
+        </p:nvSpPr>
+        <p:spPr>
+          <a:xfrm>
+            <a:off x="6959118" y="2073918"/>
+            <a:ext cx="1074713" cy="580685"/>
+          </a:xfrm>
+          <a:prstGeom prst="flowChartAlternateProcess">
+            <a:avLst/>
+          </a:prstGeom>
+          <a:solidFill>
+            <a:srgbClr val="6095C9"/>
+          </a:solidFill>
+        </p:spPr>
+        <p:style>
+          <a:lnRef idx="0">
+            <a:schemeClr val="accent1"/>
+          </a:lnRef>
+          <a:fillRef idx="3">
+            <a:schemeClr val="accent1"/>
+          </a:fillRef>
+          <a:effectRef idx="3">
+            <a:schemeClr val="accent1"/>
+          </a:effectRef>
+          <a:fontRef idx="minor">
+            <a:schemeClr val="lt1"/>
+          </a:fontRef>
+        </p:style>
+        <p:txBody>
+          <a:bodyPr anchor="ctr"/>
+          <a:lstStyle/>
+          <a:p>
+            <a:pPr algn="ctr">
+              <a:defRPr/>
+            </a:pPr>
+            <a:r>
+              <a:rPr kumimoji="1" lang="zh-CN" altLang="en-US" sz="1400" dirty="0">
+                <a:latin typeface="Heiti SC Light" charset="-122"/>
+                <a:ea typeface="Heiti SC Light" charset="-122"/>
+                <a:cs typeface="Heiti SC Light" charset="-122"/>
+              </a:rPr>
+              <a:t>日志</a:t>
+            </a:r>
+            <a:r>
+              <a:rPr kumimoji="1" lang="zh-CN" altLang="en-US" sz="1400" dirty="0" smtClean="0">
+                <a:latin typeface="Heiti SC Light" charset="-122"/>
+                <a:ea typeface="Heiti SC Light" charset="-122"/>
+                <a:cs typeface="Heiti SC Light" charset="-122"/>
+              </a:rPr>
+              <a:t>服务</a:t>
+            </a:r>
+            <a:endParaRPr kumimoji="1" lang="zh-CN" altLang="en-US" sz="1400" dirty="0">
+              <a:latin typeface="Heiti SC Light" charset="-122"/>
+              <a:ea typeface="Heiti SC Light" charset="-122"/>
+              <a:cs typeface="Heiti SC Light" charset="-122"/>
+            </a:endParaRPr>
+          </a:p>
+        </p:txBody>
+      </p:sp>
+      <p:sp>
+        <p:nvSpPr>
           <p:cNvPr id="2" name="矩形 1"/>
           <p:cNvSpPr/>
           <p:nvPr/>
@@ -8931,6 +9055,11 @@
               </a:rPr>
               <a:t>调度器</a:t>
             </a:r>
+            <a:endParaRPr kumimoji="1" lang="zh-CN" altLang="en-US" sz="1400" dirty="0" smtClean="0">
+              <a:latin typeface="Heiti SC Light" charset="-122"/>
+              <a:ea typeface="Heiti SC Light" charset="-122"/>
+              <a:cs typeface="Heiti SC Light" charset="-122"/>
+            </a:endParaRPr>
           </a:p>
           <a:p>
             <a:pPr algn="ctr">
@@ -8988,11 +9117,6 @@
         </p:style>
       </p:cxnSp>
     </p:spTree>
-    <p:extLst>
-      <p:ext uri="{BB962C8B-B14F-4D97-AF65-F5344CB8AC3E}">
-        <p14:creationId xmlns:p14="http://schemas.microsoft.com/office/powerpoint/2010/main" val="1453474056"/>
-      </p:ext>
-    </p:extLst>
   </p:cSld>
   <p:clrMapOvr>
     <a:masterClrMapping/>
@@ -9159,6 +9283,7 @@
               <a:rPr lang="en-US" altLang="zh-CN" sz="3200" b="1" dirty="0"/>
               <a:t>v1.3</a:t>
             </a:r>
+            <a:endParaRPr lang="en-US" altLang="zh-CN" sz="3200" b="1" dirty="0"/>
           </a:p>
         </p:txBody>
       </p:sp>
@@ -9343,6 +9468,15 @@
               </a:rPr>
               <a:t>调度中心</a:t>
             </a:r>
+            <a:endParaRPr lang="zh-CN" altLang="en-US" sz="2400" b="1">
+              <a:solidFill>
+                <a:schemeClr val="accent5">
+                  <a:lumMod val="50000"/>
+                </a:schemeClr>
+              </a:solidFill>
+              <a:latin typeface="微软雅黑" panose="020B0503020204020204" charset="-122"/>
+              <a:ea typeface="微软雅黑" panose="020B0503020204020204" charset="-122"/>
+            </a:endParaRPr>
           </a:p>
         </p:txBody>
       </p:sp>
@@ -9445,6 +9579,13 @@
               </a:rPr>
               <a:t>调度池</a:t>
             </a:r>
+            <a:endParaRPr lang="zh-CN" altLang="en-US" b="1">
+              <a:solidFill>
+                <a:schemeClr val="tx1"/>
+              </a:solidFill>
+              <a:latin typeface="微软雅黑" panose="020B0503020204020204" charset="-122"/>
+              <a:ea typeface="微软雅黑" panose="020B0503020204020204" charset="-122"/>
+            </a:endParaRPr>
           </a:p>
         </p:txBody>
       </p:sp>
@@ -9495,6 +9636,10 @@
               </a:rPr>
               <a:t>执行器地址</a:t>
             </a:r>
+            <a:endParaRPr lang="zh-CN" altLang="en-US">
+              <a:latin typeface="微软雅黑" panose="020B0503020204020204" charset="-122"/>
+              <a:ea typeface="微软雅黑" panose="020B0503020204020204" charset="-122"/>
+            </a:endParaRPr>
           </a:p>
         </p:txBody>
       </p:sp>
@@ -9568,6 +9713,13 @@
               </a:rPr>
               <a:t>日志</a:t>
             </a:r>
+            <a:endParaRPr lang="zh-CN" altLang="en-US" b="1">
+              <a:solidFill>
+                <a:schemeClr val="tx1"/>
+              </a:solidFill>
+              <a:latin typeface="微软雅黑" panose="020B0503020204020204" charset="-122"/>
+              <a:ea typeface="微软雅黑" panose="020B0503020204020204" charset="-122"/>
+            </a:endParaRPr>
           </a:p>
         </p:txBody>
       </p:sp>
@@ -9700,6 +9852,15 @@
               </a:rPr>
               <a:t>执行器</a:t>
             </a:r>
+            <a:endParaRPr lang="zh-CN" altLang="en-US" sz="2400" b="1">
+              <a:solidFill>
+                <a:schemeClr val="accent1">
+                  <a:lumMod val="50000"/>
+                </a:schemeClr>
+              </a:solidFill>
+              <a:latin typeface="微软雅黑" panose="020B0503020204020204" charset="-122"/>
+              <a:ea typeface="微软雅黑" panose="020B0503020204020204" charset="-122"/>
+            </a:endParaRPr>
           </a:p>
         </p:txBody>
       </p:sp>
@@ -9750,6 +9911,10 @@
               </a:rPr>
               <a:t>JobHandler</a:t>
             </a:r>
+            <a:endParaRPr lang="en-US" dirty="0">
+              <a:latin typeface="微软雅黑" panose="020B0503020204020204" charset="-122"/>
+              <a:ea typeface="微软雅黑" panose="020B0503020204020204" charset="-122"/>
+            </a:endParaRPr>
           </a:p>
         </p:txBody>
       </p:sp>
@@ -9800,6 +9965,10 @@
               </a:rPr>
               <a:t>……</a:t>
             </a:r>
+            <a:endParaRPr lang="en-US" dirty="0">
+              <a:latin typeface="微软雅黑" panose="020B0503020204020204" charset="-122"/>
+              <a:ea typeface="微软雅黑" panose="020B0503020204020204" charset="-122"/>
+            </a:endParaRPr>
           </a:p>
         </p:txBody>
       </p:sp>
@@ -9845,6 +10014,11 @@
               </a:rPr>
               <a:t>调度器</a:t>
             </a:r>
+            <a:endParaRPr lang="zh-CN" altLang="en-US">
+              <a:latin typeface="微软雅黑" panose="020B0503020204020204" charset="-122"/>
+              <a:ea typeface="微软雅黑" panose="020B0503020204020204" charset="-122"/>
+              <a:sym typeface="+mn-ea"/>
+            </a:endParaRPr>
           </a:p>
           <a:p>
             <a:pPr algn="ctr"/>
@@ -9855,6 +10029,10 @@
               </a:rPr>
               <a:t>quartz</a:t>
             </a:r>
+            <a:endParaRPr lang="en-US" altLang="zh-CN" dirty="0">
+              <a:latin typeface="微软雅黑" panose="020B0503020204020204" charset="-122"/>
+              <a:ea typeface="微软雅黑" panose="020B0503020204020204" charset="-122"/>
+            </a:endParaRPr>
           </a:p>
         </p:txBody>
       </p:sp>
@@ -10095,6 +10273,11 @@
               </a:rPr>
               <a:t>执行器服务</a:t>
             </a:r>
+            <a:endParaRPr lang="zh-CN" altLang="en-US">
+              <a:solidFill>
+                <a:schemeClr val="tx1"/>
+              </a:solidFill>
+            </a:endParaRPr>
           </a:p>
           <a:p>
             <a:pPr algn="ctr"/>
@@ -10106,6 +10289,11 @@
               </a:rPr>
               <a:t>jetty</a:t>
             </a:r>
+            <a:endParaRPr lang="en-US" altLang="zh-CN" dirty="0">
+              <a:solidFill>
+                <a:schemeClr val="tx1"/>
+              </a:solidFill>
+            </a:endParaRPr>
           </a:p>
         </p:txBody>
       </p:sp>
@@ -10238,6 +10426,12 @@
               </a:rPr>
               <a:t>回调日志</a:t>
             </a:r>
+            <a:endParaRPr lang="zh-CN" altLang="en-US">
+              <a:solidFill>
+                <a:schemeClr val="tx1"/>
+              </a:solidFill>
+              <a:sym typeface="+mn-ea"/>
+            </a:endParaRPr>
           </a:p>
           <a:p>
             <a:pPr algn="ctr"/>
@@ -10249,6 +10443,11 @@
               </a:rPr>
               <a:t>queue</a:t>
             </a:r>
+            <a:endParaRPr lang="en-US" altLang="zh-CN" dirty="0">
+              <a:solidFill>
+                <a:schemeClr val="tx1"/>
+              </a:solidFill>
+            </a:endParaRPr>
           </a:p>
         </p:txBody>
       </p:sp>
@@ -10374,6 +10573,11 @@
               </a:rPr>
               <a:t>任务</a:t>
             </a:r>
+            <a:endParaRPr lang="zh-CN" altLang="en-US">
+              <a:solidFill>
+                <a:schemeClr val="tx1"/>
+              </a:solidFill>
+            </a:endParaRPr>
           </a:p>
         </p:txBody>
       </p:sp>
@@ -10514,6 +10718,11 @@
               </a:rPr>
               <a:t>queue</a:t>
             </a:r>
+            <a:endParaRPr lang="en-US" altLang="zh-CN" dirty="0">
+              <a:solidFill>
+                <a:schemeClr val="tx1"/>
+              </a:solidFill>
+            </a:endParaRPr>
           </a:p>
         </p:txBody>
       </p:sp>
@@ -10567,6 +10776,11 @@
               </a:rPr>
               <a:t>执行线程</a:t>
             </a:r>
+            <a:endParaRPr lang="zh-CN" altLang="en-US">
+              <a:solidFill>
+                <a:schemeClr val="tx1"/>
+              </a:solidFill>
+            </a:endParaRPr>
           </a:p>
         </p:txBody>
       </p:sp>
@@ -10961,6 +11175,15 @@
               </a:rPr>
               <a:t>调度中心</a:t>
             </a:r>
+            <a:endParaRPr lang="zh-CN" altLang="en-US" sz="2400" b="1">
+              <a:solidFill>
+                <a:schemeClr val="accent5">
+                  <a:lumMod val="50000"/>
+                </a:schemeClr>
+              </a:solidFill>
+              <a:latin typeface="微软雅黑" panose="020B0503020204020204" charset="-122"/>
+              <a:ea typeface="微软雅黑" panose="020B0503020204020204" charset="-122"/>
+            </a:endParaRPr>
           </a:p>
         </p:txBody>
       </p:sp>
@@ -11063,6 +11286,13 @@
               </a:rPr>
               <a:t>调度池</a:t>
             </a:r>
+            <a:endParaRPr lang="zh-CN" altLang="en-US" b="1">
+              <a:solidFill>
+                <a:schemeClr val="tx1"/>
+              </a:solidFill>
+              <a:latin typeface="微软雅黑" panose="020B0503020204020204" charset="-122"/>
+              <a:ea typeface="微软雅黑" panose="020B0503020204020204" charset="-122"/>
+            </a:endParaRPr>
           </a:p>
         </p:txBody>
       </p:sp>
@@ -11190,6 +11420,13 @@
               </a:rPr>
               <a:t>日志</a:t>
             </a:r>
+            <a:endParaRPr lang="zh-CN" altLang="en-US" b="1">
+              <a:solidFill>
+                <a:schemeClr val="tx1"/>
+              </a:solidFill>
+              <a:latin typeface="微软雅黑" panose="020B0503020204020204" charset="-122"/>
+              <a:ea typeface="微软雅黑" panose="020B0503020204020204" charset="-122"/>
+            </a:endParaRPr>
           </a:p>
         </p:txBody>
       </p:sp>
@@ -11322,6 +11559,15 @@
               </a:rPr>
               <a:t>执行器</a:t>
             </a:r>
+            <a:endParaRPr lang="zh-CN" altLang="en-US" sz="2400" b="1" dirty="0">
+              <a:solidFill>
+                <a:schemeClr val="accent1">
+                  <a:lumMod val="50000"/>
+                </a:schemeClr>
+              </a:solidFill>
+              <a:latin typeface="微软雅黑" panose="020B0503020204020204" charset="-122"/>
+              <a:ea typeface="微软雅黑" panose="020B0503020204020204" charset="-122"/>
+            </a:endParaRPr>
           </a:p>
         </p:txBody>
       </p:sp>
@@ -11372,6 +11618,10 @@
               </a:rPr>
               <a:t>JobHandler</a:t>
             </a:r>
+            <a:endParaRPr lang="en-US" dirty="0">
+              <a:latin typeface="微软雅黑" panose="020B0503020204020204" charset="-122"/>
+              <a:ea typeface="微软雅黑" panose="020B0503020204020204" charset="-122"/>
+            </a:endParaRPr>
           </a:p>
         </p:txBody>
       </p:sp>
@@ -11422,6 +11672,10 @@
               </a:rPr>
               <a:t>……</a:t>
             </a:r>
+            <a:endParaRPr lang="en-US" dirty="0">
+              <a:latin typeface="微软雅黑" panose="020B0503020204020204" charset="-122"/>
+              <a:ea typeface="微软雅黑" panose="020B0503020204020204" charset="-122"/>
+            </a:endParaRPr>
           </a:p>
         </p:txBody>
       </p:sp>
@@ -11467,6 +11721,11 @@
               </a:rPr>
               <a:t>调度器</a:t>
             </a:r>
+            <a:endParaRPr lang="zh-CN" altLang="en-US" dirty="0">
+              <a:latin typeface="微软雅黑" panose="020B0503020204020204" charset="-122"/>
+              <a:ea typeface="微软雅黑" panose="020B0503020204020204" charset="-122"/>
+              <a:sym typeface="+mn-ea"/>
+            </a:endParaRPr>
           </a:p>
           <a:p>
             <a:pPr algn="ctr"/>
@@ -11477,6 +11736,10 @@
               </a:rPr>
               <a:t>quartz</a:t>
             </a:r>
+            <a:endParaRPr lang="en-US" altLang="zh-CN" dirty="0">
+              <a:latin typeface="微软雅黑" panose="020B0503020204020204" charset="-122"/>
+              <a:ea typeface="微软雅黑" panose="020B0503020204020204" charset="-122"/>
+            </a:endParaRPr>
           </a:p>
         </p:txBody>
       </p:sp>
@@ -11717,6 +11980,11 @@
               </a:rPr>
               <a:t>执行器服务</a:t>
             </a:r>
+            <a:endParaRPr lang="zh-CN" altLang="en-US">
+              <a:solidFill>
+                <a:schemeClr val="tx1"/>
+              </a:solidFill>
+            </a:endParaRPr>
           </a:p>
           <a:p>
             <a:pPr algn="ctr"/>
@@ -11728,6 +11996,11 @@
               </a:rPr>
               <a:t>jetty</a:t>
             </a:r>
+            <a:endParaRPr lang="en-US" altLang="zh-CN" dirty="0">
+              <a:solidFill>
+                <a:schemeClr val="tx1"/>
+              </a:solidFill>
+            </a:endParaRPr>
           </a:p>
         </p:txBody>
       </p:sp>
@@ -11860,6 +12133,12 @@
               </a:rPr>
               <a:t>回调日志</a:t>
             </a:r>
+            <a:endParaRPr lang="zh-CN" altLang="en-US" dirty="0">
+              <a:solidFill>
+                <a:schemeClr val="tx1"/>
+              </a:solidFill>
+              <a:sym typeface="+mn-ea"/>
+            </a:endParaRPr>
           </a:p>
           <a:p>
             <a:pPr algn="ctr"/>
@@ -11871,6 +12150,11 @@
               </a:rPr>
               <a:t>queue</a:t>
             </a:r>
+            <a:endParaRPr lang="en-US" altLang="zh-CN" dirty="0">
+              <a:solidFill>
+                <a:schemeClr val="tx1"/>
+              </a:solidFill>
+            </a:endParaRPr>
           </a:p>
         </p:txBody>
       </p:sp>
@@ -12020,6 +12304,11 @@
               </a:rPr>
               <a:t>任务</a:t>
             </a:r>
+            <a:endParaRPr lang="zh-CN" altLang="en-US" dirty="0">
+              <a:solidFill>
+                <a:schemeClr val="tx1"/>
+              </a:solidFill>
+            </a:endParaRPr>
           </a:p>
         </p:txBody>
       </p:sp>
@@ -12160,6 +12449,11 @@
               </a:rPr>
               <a:t>queue</a:t>
             </a:r>
+            <a:endParaRPr lang="en-US" altLang="zh-CN" dirty="0">
+              <a:solidFill>
+                <a:schemeClr val="tx1"/>
+              </a:solidFill>
+            </a:endParaRPr>
           </a:p>
         </p:txBody>
       </p:sp>
@@ -12213,6 +12507,11 @@
               </a:rPr>
               <a:t>执行线程</a:t>
             </a:r>
+            <a:endParaRPr lang="zh-CN" altLang="en-US" dirty="0">
+              <a:solidFill>
+                <a:schemeClr val="tx1"/>
+              </a:solidFill>
+            </a:endParaRPr>
           </a:p>
         </p:txBody>
       </p:sp>
@@ -12596,6 +12895,14 @@
               </a:rPr>
               <a:t>调度中心</a:t>
             </a:r>
+            <a:endParaRPr kumimoji="1" lang="zh-CN" altLang="en-US" sz="1600" b="1" dirty="0">
+              <a:solidFill>
+                <a:schemeClr val="tx1"/>
+              </a:solidFill>
+              <a:latin typeface="Heiti SC Light" charset="-122"/>
+              <a:ea typeface="Heiti SC Light" charset="-122"/>
+              <a:cs typeface="Heiti SC Light" charset="-122"/>
+            </a:endParaRPr>
           </a:p>
         </p:txBody>
       </p:sp>
@@ -12698,6 +13005,11 @@
               </a:rPr>
               <a:t>注册服务</a:t>
             </a:r>
+            <a:endParaRPr kumimoji="1" lang="zh-CN" altLang="en-US" sz="1400" dirty="0" smtClean="0">
+              <a:latin typeface="Heiti SC Light" charset="-122"/>
+              <a:ea typeface="Heiti SC Light" charset="-122"/>
+              <a:cs typeface="Heiti SC Light" charset="-122"/>
+            </a:endParaRPr>
           </a:p>
           <a:p>
             <a:pPr algn="ctr">
@@ -13382,6 +13694,11 @@
               </a:rPr>
               <a:t>调度器</a:t>
             </a:r>
+            <a:endParaRPr kumimoji="1" lang="zh-CN" altLang="en-US" sz="1400" dirty="0" smtClean="0">
+              <a:latin typeface="Heiti SC Light" charset="-122"/>
+              <a:ea typeface="Heiti SC Light" charset="-122"/>
+              <a:cs typeface="Heiti SC Light" charset="-122"/>
+            </a:endParaRPr>
           </a:p>
           <a:p>
             <a:pPr algn="ctr">
@@ -13458,6 +13775,11 @@
               </a:rPr>
               <a:t>服务</a:t>
             </a:r>
+            <a:endParaRPr kumimoji="1" lang="zh-CN" altLang="en-US" sz="1400" dirty="0" smtClean="0">
+              <a:latin typeface="Heiti SC Light" charset="-122"/>
+              <a:ea typeface="Heiti SC Light" charset="-122"/>
+              <a:cs typeface="Heiti SC Light" charset="-122"/>
+            </a:endParaRPr>
           </a:p>
           <a:p>
             <a:pPr algn="ctr">
@@ -13529,6 +13851,11 @@
               </a:rPr>
               <a:t>日志管理</a:t>
             </a:r>
+            <a:endParaRPr kumimoji="1" lang="zh-CN" altLang="en-US" sz="1400" b="1" dirty="0">
+              <a:latin typeface="Heiti SC Light" charset="-122"/>
+              <a:ea typeface="Heiti SC Light" charset="-122"/>
+              <a:cs typeface="Heiti SC Light" charset="-122"/>
+            </a:endParaRPr>
           </a:p>
         </p:txBody>
       </p:sp>
@@ -13579,6 +13906,11 @@
               </a:rPr>
               <a:t>调度日志</a:t>
             </a:r>
+            <a:endParaRPr kumimoji="1" lang="zh-CN" altLang="en-US" sz="1400" dirty="0">
+              <a:latin typeface="Heiti SC Light" charset="-122"/>
+              <a:ea typeface="Heiti SC Light" charset="-122"/>
+              <a:cs typeface="Heiti SC Light" charset="-122"/>
+            </a:endParaRPr>
           </a:p>
         </p:txBody>
       </p:sp>
@@ -13637,6 +13969,11 @@
               </a:rPr>
               <a:t>日志</a:t>
             </a:r>
+            <a:endParaRPr kumimoji="1" lang="zh-CN" altLang="en-US" sz="1400" dirty="0">
+              <a:latin typeface="Heiti SC Light" charset="-122"/>
+              <a:ea typeface="Heiti SC Light" charset="-122"/>
+              <a:cs typeface="Heiti SC Light" charset="-122"/>
+            </a:endParaRPr>
           </a:p>
         </p:txBody>
       </p:sp>
@@ -13695,6 +14032,11 @@
               </a:rPr>
               <a:t>版本日志</a:t>
             </a:r>
+            <a:endParaRPr kumimoji="1" lang="zh-CN" altLang="en-US" sz="1400" dirty="0">
+              <a:latin typeface="Heiti SC Light" charset="-122"/>
+              <a:ea typeface="Heiti SC Light" charset="-122"/>
+              <a:cs typeface="Heiti SC Light" charset="-122"/>
+            </a:endParaRPr>
           </a:p>
         </p:txBody>
       </p:sp>
@@ -14368,6 +14710,11 @@
               </a:rPr>
               <a:t>调度结果</a:t>
             </a:r>
+            <a:endParaRPr kumimoji="1" lang="zh-CN" altLang="en-US" sz="1400" dirty="0" smtClean="0">
+              <a:latin typeface="Heiti SC Light" charset="-122"/>
+              <a:ea typeface="Heiti SC Light" charset="-122"/>
+              <a:cs typeface="Heiti SC Light" charset="-122"/>
+            </a:endParaRPr>
           </a:p>
           <a:p>
             <a:pPr algn="ctr"/>
@@ -14520,6 +14867,11 @@
               </a:rPr>
               <a:t>任务线程</a:t>
             </a:r>
+            <a:endParaRPr kumimoji="1" lang="zh-CN" altLang="en-US" sz="1400" dirty="0">
+              <a:latin typeface="Heiti SC Light" charset="-122"/>
+              <a:ea typeface="Heiti SC Light" charset="-122"/>
+              <a:cs typeface="Heiti SC Light" charset="-122"/>
+            </a:endParaRPr>
           </a:p>
         </p:txBody>
       </p:sp>
@@ -14565,6 +14917,11 @@
               </a:rPr>
               <a:t>调度请求</a:t>
             </a:r>
+            <a:endParaRPr kumimoji="1" lang="zh-CN" altLang="en-US" sz="1400" dirty="0">
+              <a:latin typeface="Heiti SC Light" charset="-122"/>
+              <a:ea typeface="Heiti SC Light" charset="-122"/>
+              <a:cs typeface="Heiti SC Light" charset="-122"/>
+            </a:endParaRPr>
           </a:p>
           <a:p>
             <a:pPr algn="ctr"/>
@@ -14813,41 +15170,46 @@
               </a:rPr>
               <a:t>执行日志</a:t>
             </a:r>
-          </a:p>
-          <a:p>
-            <a:pPr algn="ctr">
-              <a:defRPr/>
-            </a:pPr>
-            <a:r>
-              <a:rPr kumimoji="1" lang="en-US" altLang="zh-CN" sz="1400" dirty="0">
-                <a:latin typeface="Heiti SC Light" charset="-122"/>
-                <a:ea typeface="Heiti SC Light" charset="-122"/>
-                <a:cs typeface="Heiti SC Light" charset="-122"/>
-              </a:rPr>
-              <a:t>(Log</a:t>
-            </a:r>
-            <a:r>
-              <a:rPr kumimoji="1" lang="zh-CN" altLang="en-US" sz="1400" dirty="0">
-                <a:latin typeface="Heiti SC Light" charset="-122"/>
-                <a:ea typeface="Heiti SC Light" charset="-122"/>
-                <a:cs typeface="Heiti SC Light" charset="-122"/>
-              </a:rPr>
-              <a:t>文件</a:t>
-            </a:r>
-            <a:r>
-              <a:rPr kumimoji="1" lang="en-US" altLang="zh-CN" sz="1400" dirty="0">
-                <a:latin typeface="Heiti SC Light" charset="-122"/>
-                <a:ea typeface="Heiti SC Light" charset="-122"/>
-                <a:cs typeface="Heiti SC Light" charset="-122"/>
-              </a:rPr>
-              <a:t>)</a:t>
-            </a:r>
             <a:endParaRPr kumimoji="1" lang="zh-CN" altLang="en-US" sz="1400" dirty="0">
               <a:latin typeface="Heiti SC Light" charset="-122"/>
               <a:ea typeface="Heiti SC Light" charset="-122"/>
               <a:cs typeface="Heiti SC Light" charset="-122"/>
             </a:endParaRPr>
           </a:p>
+          <a:p>
+            <a:pPr algn="ctr">
+              <a:defRPr/>
+            </a:pPr>
+            <a:r>
+              <a:rPr kumimoji="1" lang="en-US" altLang="zh-CN" sz="1400" dirty="0">
+                <a:latin typeface="Heiti SC Light" charset="-122"/>
+                <a:ea typeface="Heiti SC Light" charset="-122"/>
+                <a:cs typeface="Heiti SC Light" charset="-122"/>
+              </a:rPr>
+              <a:t>(Log</a:t>
+            </a:r>
+            <a:r>
+              <a:rPr kumimoji="1" lang="zh-CN" altLang="en-US" sz="1400" dirty="0">
+                <a:latin typeface="Heiti SC Light" charset="-122"/>
+                <a:ea typeface="Heiti SC Light" charset="-122"/>
+                <a:cs typeface="Heiti SC Light" charset="-122"/>
+              </a:rPr>
+              <a:t>文件</a:t>
+            </a:r>
+            <a:r>
+              <a:rPr kumimoji="1" lang="en-US" altLang="zh-CN" sz="1400" dirty="0">
+                <a:latin typeface="Heiti SC Light" charset="-122"/>
+                <a:ea typeface="Heiti SC Light" charset="-122"/>
+                <a:cs typeface="Heiti SC Light" charset="-122"/>
+              </a:rPr>
+              <a:t>)</a:t>
+            </a:r>
+            <a:endParaRPr kumimoji="1" lang="zh-CN" altLang="en-US" sz="1400" dirty="0">
+              <a:latin typeface="Heiti SC Light" charset="-122"/>
+              <a:ea typeface="Heiti SC Light" charset="-122"/>
+              <a:cs typeface="Heiti SC Light" charset="-122"/>
+            </a:endParaRPr>
+          </a:p>
         </p:txBody>
       </p:sp>
       <p:sp>
@@ -14895,6 +15257,11 @@
               </a:rPr>
               <a:t>回调线程</a:t>
             </a:r>
+            <a:endParaRPr kumimoji="1" lang="zh-CN" altLang="en-US" sz="1400" dirty="0">
+              <a:latin typeface="Heiti SC Light" charset="-122"/>
+              <a:ea typeface="Heiti SC Light" charset="-122"/>
+              <a:cs typeface="Heiti SC Light" charset="-122"/>
+            </a:endParaRPr>
           </a:p>
         </p:txBody>
       </p:sp>
@@ -15023,41 +15390,46 @@
               </a:rPr>
               <a:t>日志</a:t>
             </a:r>
-          </a:p>
-          <a:p>
-            <a:pPr algn="ctr">
-              <a:defRPr/>
-            </a:pPr>
-            <a:r>
-              <a:rPr kumimoji="1" lang="en-US" altLang="zh-CN" sz="1400" dirty="0">
-                <a:latin typeface="Heiti SC Light" charset="-122"/>
-                <a:ea typeface="Heiti SC Light" charset="-122"/>
-                <a:cs typeface="Heiti SC Light" charset="-122"/>
-              </a:rPr>
-              <a:t>(</a:t>
-            </a:r>
-            <a:r>
-              <a:rPr kumimoji="1" lang="zh-CN" altLang="en-US" sz="1400" dirty="0">
-                <a:latin typeface="Heiti SC Light" charset="-122"/>
-                <a:ea typeface="Heiti SC Light" charset="-122"/>
-                <a:cs typeface="Heiti SC Light" charset="-122"/>
-              </a:rPr>
-              <a:t>实时</a:t>
-            </a:r>
-            <a:r>
-              <a:rPr kumimoji="1" lang="en-US" altLang="zh-CN" sz="1400" dirty="0">
-                <a:latin typeface="Heiti SC Light" charset="-122"/>
-                <a:ea typeface="Heiti SC Light" charset="-122"/>
-                <a:cs typeface="Heiti SC Light" charset="-122"/>
-              </a:rPr>
-              <a:t>)</a:t>
-            </a:r>
             <a:endParaRPr kumimoji="1" lang="zh-CN" altLang="en-US" sz="1400" dirty="0">
               <a:latin typeface="Heiti SC Light" charset="-122"/>
               <a:ea typeface="Heiti SC Light" charset="-122"/>
               <a:cs typeface="Heiti SC Light" charset="-122"/>
             </a:endParaRPr>
           </a:p>
+          <a:p>
+            <a:pPr algn="ctr">
+              <a:defRPr/>
+            </a:pPr>
+            <a:r>
+              <a:rPr kumimoji="1" lang="en-US" altLang="zh-CN" sz="1400" dirty="0">
+                <a:latin typeface="Heiti SC Light" charset="-122"/>
+                <a:ea typeface="Heiti SC Light" charset="-122"/>
+                <a:cs typeface="Heiti SC Light" charset="-122"/>
+              </a:rPr>
+              <a:t>(</a:t>
+            </a:r>
+            <a:r>
+              <a:rPr kumimoji="1" lang="zh-CN" altLang="en-US" sz="1400" dirty="0">
+                <a:latin typeface="Heiti SC Light" charset="-122"/>
+                <a:ea typeface="Heiti SC Light" charset="-122"/>
+                <a:cs typeface="Heiti SC Light" charset="-122"/>
+              </a:rPr>
+              <a:t>实时</a:t>
+            </a:r>
+            <a:r>
+              <a:rPr kumimoji="1" lang="en-US" altLang="zh-CN" sz="1400" dirty="0">
+                <a:latin typeface="Heiti SC Light" charset="-122"/>
+                <a:ea typeface="Heiti SC Light" charset="-122"/>
+                <a:cs typeface="Heiti SC Light" charset="-122"/>
+              </a:rPr>
+              <a:t>)</a:t>
+            </a:r>
+            <a:endParaRPr kumimoji="1" lang="zh-CN" altLang="en-US" sz="1400" dirty="0">
+              <a:latin typeface="Heiti SC Light" charset="-122"/>
+              <a:ea typeface="Heiti SC Light" charset="-122"/>
+              <a:cs typeface="Heiti SC Light" charset="-122"/>
+            </a:endParaRPr>
+          </a:p>
         </p:txBody>
       </p:sp>
       <p:sp>
@@ -15107,6 +15479,11 @@
               </a:rPr>
               <a:t>日志服务</a:t>
             </a:r>
+            <a:endParaRPr kumimoji="1" lang="zh-CN" altLang="en-US" sz="1400" dirty="0">
+              <a:latin typeface="Heiti SC Light" charset="-122"/>
+              <a:ea typeface="Heiti SC Light" charset="-122"/>
+              <a:cs typeface="Heiti SC Light" charset="-122"/>
+            </a:endParaRPr>
           </a:p>
           <a:p>
             <a:pPr algn="ctr">
@@ -15277,6 +15654,14 @@
               </a:rPr>
               <a:t>调度中心</a:t>
             </a:r>
+            <a:endParaRPr kumimoji="1" lang="zh-CN" altLang="en-US" sz="1600" b="1" dirty="0">
+              <a:solidFill>
+                <a:schemeClr val="tx1"/>
+              </a:solidFill>
+              <a:latin typeface="Heiti SC Light" charset="-122"/>
+              <a:ea typeface="Heiti SC Light" charset="-122"/>
+              <a:cs typeface="Heiti SC Light" charset="-122"/>
+            </a:endParaRPr>
           </a:p>
         </p:txBody>
       </p:sp>
@@ -15379,6 +15764,11 @@
               </a:rPr>
               <a:t>注册服务</a:t>
             </a:r>
+            <a:endParaRPr kumimoji="1" lang="zh-CN" altLang="en-US" sz="1400" dirty="0" smtClean="0">
+              <a:latin typeface="Heiti SC Light" charset="-122"/>
+              <a:ea typeface="Heiti SC Light" charset="-122"/>
+              <a:cs typeface="Heiti SC Light" charset="-122"/>
+            </a:endParaRPr>
           </a:p>
           <a:p>
             <a:pPr algn="ctr">
@@ -16063,6 +16453,11 @@
               </a:rPr>
               <a:t>调度器</a:t>
             </a:r>
+            <a:endParaRPr kumimoji="1" lang="zh-CN" altLang="en-US" sz="1400" dirty="0" smtClean="0">
+              <a:latin typeface="Heiti SC Light" charset="-122"/>
+              <a:ea typeface="Heiti SC Light" charset="-122"/>
+              <a:cs typeface="Heiti SC Light" charset="-122"/>
+            </a:endParaRPr>
           </a:p>
           <a:p>
             <a:pPr algn="ctr">
@@ -16139,6 +16534,11 @@
               </a:rPr>
               <a:t>服务</a:t>
             </a:r>
+            <a:endParaRPr kumimoji="1" lang="zh-CN" altLang="en-US" sz="1400" dirty="0" smtClean="0">
+              <a:latin typeface="Heiti SC Light" charset="-122"/>
+              <a:ea typeface="Heiti SC Light" charset="-122"/>
+              <a:cs typeface="Heiti SC Light" charset="-122"/>
+            </a:endParaRPr>
           </a:p>
           <a:p>
             <a:pPr algn="ctr">
@@ -16210,6 +16610,11 @@
               </a:rPr>
               <a:t>日志管理</a:t>
             </a:r>
+            <a:endParaRPr kumimoji="1" lang="zh-CN" altLang="en-US" sz="1400" b="1" dirty="0">
+              <a:latin typeface="Heiti SC Light" charset="-122"/>
+              <a:ea typeface="Heiti SC Light" charset="-122"/>
+              <a:cs typeface="Heiti SC Light" charset="-122"/>
+            </a:endParaRPr>
           </a:p>
         </p:txBody>
       </p:sp>
@@ -16260,6 +16665,11 @@
               </a:rPr>
               <a:t>调度日志</a:t>
             </a:r>
+            <a:endParaRPr kumimoji="1" lang="zh-CN" altLang="en-US" sz="1400" dirty="0">
+              <a:latin typeface="Heiti SC Light" charset="-122"/>
+              <a:ea typeface="Heiti SC Light" charset="-122"/>
+              <a:cs typeface="Heiti SC Light" charset="-122"/>
+            </a:endParaRPr>
           </a:p>
         </p:txBody>
       </p:sp>
@@ -16318,6 +16728,11 @@
               </a:rPr>
               <a:t>日志</a:t>
             </a:r>
+            <a:endParaRPr kumimoji="1" lang="zh-CN" altLang="en-US" sz="1400" dirty="0">
+              <a:latin typeface="Heiti SC Light" charset="-122"/>
+              <a:ea typeface="Heiti SC Light" charset="-122"/>
+              <a:cs typeface="Heiti SC Light" charset="-122"/>
+            </a:endParaRPr>
           </a:p>
         </p:txBody>
       </p:sp>
@@ -16376,6 +16791,11 @@
               </a:rPr>
               <a:t>版本日志</a:t>
             </a:r>
+            <a:endParaRPr kumimoji="1" lang="zh-CN" altLang="en-US" sz="1400" dirty="0">
+              <a:latin typeface="Heiti SC Light" charset="-122"/>
+              <a:ea typeface="Heiti SC Light" charset="-122"/>
+              <a:cs typeface="Heiti SC Light" charset="-122"/>
+            </a:endParaRPr>
           </a:p>
         </p:txBody>
       </p:sp>
@@ -17041,6 +17461,11 @@
               </a:rPr>
               <a:t>调度结果</a:t>
             </a:r>
+            <a:endParaRPr kumimoji="1" lang="zh-CN" altLang="en-US" sz="1400" dirty="0" smtClean="0">
+              <a:latin typeface="Heiti SC Light" charset="-122"/>
+              <a:ea typeface="Heiti SC Light" charset="-122"/>
+              <a:cs typeface="Heiti SC Light" charset="-122"/>
+            </a:endParaRPr>
           </a:p>
           <a:p>
             <a:pPr algn="ctr"/>
@@ -17193,6 +17618,11 @@
               </a:rPr>
               <a:t>任务线程</a:t>
             </a:r>
+            <a:endParaRPr kumimoji="1" lang="zh-CN" altLang="en-US" sz="1400" dirty="0">
+              <a:latin typeface="Heiti SC Light" charset="-122"/>
+              <a:ea typeface="Heiti SC Light" charset="-122"/>
+              <a:cs typeface="Heiti SC Light" charset="-122"/>
+            </a:endParaRPr>
           </a:p>
         </p:txBody>
       </p:sp>
@@ -17238,6 +17668,11 @@
               </a:rPr>
               <a:t>调度请求</a:t>
             </a:r>
+            <a:endParaRPr kumimoji="1" lang="zh-CN" altLang="en-US" sz="1400" dirty="0">
+              <a:latin typeface="Heiti SC Light" charset="-122"/>
+              <a:ea typeface="Heiti SC Light" charset="-122"/>
+              <a:cs typeface="Heiti SC Light" charset="-122"/>
+            </a:endParaRPr>
           </a:p>
           <a:p>
             <a:pPr algn="ctr"/>
@@ -17486,41 +17921,46 @@
               </a:rPr>
               <a:t>执行日志</a:t>
             </a:r>
-          </a:p>
-          <a:p>
-            <a:pPr algn="ctr">
-              <a:defRPr/>
-            </a:pPr>
-            <a:r>
-              <a:rPr kumimoji="1" lang="en-US" altLang="zh-CN" sz="1400" dirty="0">
-                <a:latin typeface="Heiti SC Light" charset="-122"/>
-                <a:ea typeface="Heiti SC Light" charset="-122"/>
-                <a:cs typeface="Heiti SC Light" charset="-122"/>
-              </a:rPr>
-              <a:t>(Log</a:t>
-            </a:r>
-            <a:r>
-              <a:rPr kumimoji="1" lang="zh-CN" altLang="en-US" sz="1400" dirty="0">
-                <a:latin typeface="Heiti SC Light" charset="-122"/>
-                <a:ea typeface="Heiti SC Light" charset="-122"/>
-                <a:cs typeface="Heiti SC Light" charset="-122"/>
-              </a:rPr>
-              <a:t>文件</a:t>
-            </a:r>
-            <a:r>
-              <a:rPr kumimoji="1" lang="en-US" altLang="zh-CN" sz="1400" dirty="0">
-                <a:latin typeface="Heiti SC Light" charset="-122"/>
-                <a:ea typeface="Heiti SC Light" charset="-122"/>
-                <a:cs typeface="Heiti SC Light" charset="-122"/>
-              </a:rPr>
-              <a:t>)</a:t>
-            </a:r>
             <a:endParaRPr kumimoji="1" lang="zh-CN" altLang="en-US" sz="1400" dirty="0">
               <a:latin typeface="Heiti SC Light" charset="-122"/>
               <a:ea typeface="Heiti SC Light" charset="-122"/>
               <a:cs typeface="Heiti SC Light" charset="-122"/>
             </a:endParaRPr>
           </a:p>
+          <a:p>
+            <a:pPr algn="ctr">
+              <a:defRPr/>
+            </a:pPr>
+            <a:r>
+              <a:rPr kumimoji="1" lang="en-US" altLang="zh-CN" sz="1400" dirty="0">
+                <a:latin typeface="Heiti SC Light" charset="-122"/>
+                <a:ea typeface="Heiti SC Light" charset="-122"/>
+                <a:cs typeface="Heiti SC Light" charset="-122"/>
+              </a:rPr>
+              <a:t>(Log</a:t>
+            </a:r>
+            <a:r>
+              <a:rPr kumimoji="1" lang="zh-CN" altLang="en-US" sz="1400" dirty="0">
+                <a:latin typeface="Heiti SC Light" charset="-122"/>
+                <a:ea typeface="Heiti SC Light" charset="-122"/>
+                <a:cs typeface="Heiti SC Light" charset="-122"/>
+              </a:rPr>
+              <a:t>文件</a:t>
+            </a:r>
+            <a:r>
+              <a:rPr kumimoji="1" lang="en-US" altLang="zh-CN" sz="1400" dirty="0">
+                <a:latin typeface="Heiti SC Light" charset="-122"/>
+                <a:ea typeface="Heiti SC Light" charset="-122"/>
+                <a:cs typeface="Heiti SC Light" charset="-122"/>
+              </a:rPr>
+              <a:t>)</a:t>
+            </a:r>
+            <a:endParaRPr kumimoji="1" lang="zh-CN" altLang="en-US" sz="1400" dirty="0">
+              <a:latin typeface="Heiti SC Light" charset="-122"/>
+              <a:ea typeface="Heiti SC Light" charset="-122"/>
+              <a:cs typeface="Heiti SC Light" charset="-122"/>
+            </a:endParaRPr>
+          </a:p>
         </p:txBody>
       </p:sp>
       <p:sp>
@@ -17568,6 +18008,11 @@
               </a:rPr>
               <a:t>回调线程</a:t>
             </a:r>
+            <a:endParaRPr kumimoji="1" lang="zh-CN" altLang="en-US" sz="1400" dirty="0">
+              <a:latin typeface="Heiti SC Light" charset="-122"/>
+              <a:ea typeface="Heiti SC Light" charset="-122"/>
+              <a:cs typeface="Heiti SC Light" charset="-122"/>
+            </a:endParaRPr>
           </a:p>
         </p:txBody>
       </p:sp>
@@ -17696,41 +18141,46 @@
               </a:rPr>
               <a:t>日志</a:t>
             </a:r>
-          </a:p>
-          <a:p>
-            <a:pPr algn="ctr">
-              <a:defRPr/>
-            </a:pPr>
-            <a:r>
-              <a:rPr kumimoji="1" lang="en-US" altLang="zh-CN" sz="1400" dirty="0">
-                <a:latin typeface="Heiti SC Light" charset="-122"/>
-                <a:ea typeface="Heiti SC Light" charset="-122"/>
-                <a:cs typeface="Heiti SC Light" charset="-122"/>
-              </a:rPr>
-              <a:t>(</a:t>
-            </a:r>
-            <a:r>
-              <a:rPr kumimoji="1" lang="zh-CN" altLang="en-US" sz="1400" dirty="0">
-                <a:latin typeface="Heiti SC Light" charset="-122"/>
-                <a:ea typeface="Heiti SC Light" charset="-122"/>
-                <a:cs typeface="Heiti SC Light" charset="-122"/>
-              </a:rPr>
-              <a:t>实时</a:t>
-            </a:r>
-            <a:r>
-              <a:rPr kumimoji="1" lang="en-US" altLang="zh-CN" sz="1400" dirty="0">
-                <a:latin typeface="Heiti SC Light" charset="-122"/>
-                <a:ea typeface="Heiti SC Light" charset="-122"/>
-                <a:cs typeface="Heiti SC Light" charset="-122"/>
-              </a:rPr>
-              <a:t>)</a:t>
-            </a:r>
             <a:endParaRPr kumimoji="1" lang="zh-CN" altLang="en-US" sz="1400" dirty="0">
               <a:latin typeface="Heiti SC Light" charset="-122"/>
               <a:ea typeface="Heiti SC Light" charset="-122"/>
               <a:cs typeface="Heiti SC Light" charset="-122"/>
             </a:endParaRPr>
           </a:p>
+          <a:p>
+            <a:pPr algn="ctr">
+              <a:defRPr/>
+            </a:pPr>
+            <a:r>
+              <a:rPr kumimoji="1" lang="en-US" altLang="zh-CN" sz="1400" dirty="0">
+                <a:latin typeface="Heiti SC Light" charset="-122"/>
+                <a:ea typeface="Heiti SC Light" charset="-122"/>
+                <a:cs typeface="Heiti SC Light" charset="-122"/>
+              </a:rPr>
+              <a:t>(</a:t>
+            </a:r>
+            <a:r>
+              <a:rPr kumimoji="1" lang="zh-CN" altLang="en-US" sz="1400" dirty="0">
+                <a:latin typeface="Heiti SC Light" charset="-122"/>
+                <a:ea typeface="Heiti SC Light" charset="-122"/>
+                <a:cs typeface="Heiti SC Light" charset="-122"/>
+              </a:rPr>
+              <a:t>实时</a:t>
+            </a:r>
+            <a:r>
+              <a:rPr kumimoji="1" lang="en-US" altLang="zh-CN" sz="1400" dirty="0">
+                <a:latin typeface="Heiti SC Light" charset="-122"/>
+                <a:ea typeface="Heiti SC Light" charset="-122"/>
+                <a:cs typeface="Heiti SC Light" charset="-122"/>
+              </a:rPr>
+              <a:t>)</a:t>
+            </a:r>
+            <a:endParaRPr kumimoji="1" lang="zh-CN" altLang="en-US" sz="1400" dirty="0">
+              <a:latin typeface="Heiti SC Light" charset="-122"/>
+              <a:ea typeface="Heiti SC Light" charset="-122"/>
+              <a:cs typeface="Heiti SC Light" charset="-122"/>
+            </a:endParaRPr>
+          </a:p>
         </p:txBody>
       </p:sp>
       <p:sp>
@@ -17780,6 +18230,11 @@
               </a:rPr>
               <a:t>日志服务</a:t>
             </a:r>
+            <a:endParaRPr kumimoji="1" lang="zh-CN" altLang="en-US" sz="1400" dirty="0">
+              <a:latin typeface="Heiti SC Light" charset="-122"/>
+              <a:ea typeface="Heiti SC Light" charset="-122"/>
+              <a:cs typeface="Heiti SC Light" charset="-122"/>
+            </a:endParaRPr>
           </a:p>
           <a:p>
             <a:pPr algn="ctr">
@@ -17888,6 +18343,14 @@
               </a:rPr>
               <a:t>调度中心</a:t>
             </a:r>
+            <a:endParaRPr kumimoji="1" lang="zh-CN" altLang="en-US" sz="1600" b="1" dirty="0">
+              <a:solidFill>
+                <a:schemeClr val="tx1"/>
+              </a:solidFill>
+              <a:latin typeface="Heiti SC Light" charset="-122"/>
+              <a:ea typeface="Heiti SC Light" charset="-122"/>
+              <a:cs typeface="Heiti SC Light" charset="-122"/>
+            </a:endParaRPr>
           </a:p>
         </p:txBody>
       </p:sp>
@@ -17990,6 +18453,11 @@
               </a:rPr>
               <a:t>注册服务</a:t>
             </a:r>
+            <a:endParaRPr kumimoji="1" lang="zh-CN" altLang="en-US" sz="1400" dirty="0" smtClean="0">
+              <a:latin typeface="Heiti SC Light" charset="-122"/>
+              <a:ea typeface="Heiti SC Light" charset="-122"/>
+              <a:cs typeface="Heiti SC Light" charset="-122"/>
+            </a:endParaRPr>
           </a:p>
           <a:p>
             <a:pPr algn="ctr">
@@ -18674,6 +19142,11 @@
               </a:rPr>
               <a:t>调度器</a:t>
             </a:r>
+            <a:endParaRPr kumimoji="1" lang="zh-CN" altLang="en-US" sz="1400" dirty="0" smtClean="0">
+              <a:latin typeface="Heiti SC Light" charset="-122"/>
+              <a:ea typeface="Heiti SC Light" charset="-122"/>
+              <a:cs typeface="Heiti SC Light" charset="-122"/>
+            </a:endParaRPr>
           </a:p>
           <a:p>
             <a:pPr algn="ctr">
@@ -18750,6 +19223,11 @@
               </a:rPr>
               <a:t>服务</a:t>
             </a:r>
+            <a:endParaRPr kumimoji="1" lang="zh-CN" altLang="en-US" sz="1400" dirty="0" smtClean="0">
+              <a:latin typeface="Heiti SC Light" charset="-122"/>
+              <a:ea typeface="Heiti SC Light" charset="-122"/>
+              <a:cs typeface="Heiti SC Light" charset="-122"/>
+            </a:endParaRPr>
           </a:p>
           <a:p>
             <a:pPr algn="ctr">
@@ -18821,6 +19299,11 @@
               </a:rPr>
               <a:t>日志管理</a:t>
             </a:r>
+            <a:endParaRPr kumimoji="1" lang="zh-CN" altLang="en-US" sz="1400" b="1" dirty="0">
+              <a:latin typeface="Heiti SC Light" charset="-122"/>
+              <a:ea typeface="Heiti SC Light" charset="-122"/>
+              <a:cs typeface="Heiti SC Light" charset="-122"/>
+            </a:endParaRPr>
           </a:p>
         </p:txBody>
       </p:sp>
@@ -18871,6 +19354,11 @@
               </a:rPr>
               <a:t>调度日志</a:t>
             </a:r>
+            <a:endParaRPr kumimoji="1" lang="zh-CN" altLang="en-US" sz="1400" dirty="0">
+              <a:latin typeface="Heiti SC Light" charset="-122"/>
+              <a:ea typeface="Heiti SC Light" charset="-122"/>
+              <a:cs typeface="Heiti SC Light" charset="-122"/>
+            </a:endParaRPr>
           </a:p>
         </p:txBody>
       </p:sp>
@@ -18929,6 +19417,11 @@
               </a:rPr>
               <a:t>日志</a:t>
             </a:r>
+            <a:endParaRPr kumimoji="1" lang="zh-CN" altLang="en-US" sz="1400" dirty="0">
+              <a:latin typeface="Heiti SC Light" charset="-122"/>
+              <a:ea typeface="Heiti SC Light" charset="-122"/>
+              <a:cs typeface="Heiti SC Light" charset="-122"/>
+            </a:endParaRPr>
           </a:p>
         </p:txBody>
       </p:sp>
@@ -18987,6 +19480,11 @@
               </a:rPr>
               <a:t>版本日志</a:t>
             </a:r>
+            <a:endParaRPr kumimoji="1" lang="zh-CN" altLang="en-US" sz="1400" dirty="0">
+              <a:latin typeface="Heiti SC Light" charset="-122"/>
+              <a:ea typeface="Heiti SC Light" charset="-122"/>
+              <a:cs typeface="Heiti SC Light" charset="-122"/>
+            </a:endParaRPr>
           </a:p>
         </p:txBody>
       </p:sp>
@@ -19652,6 +20150,11 @@
               </a:rPr>
               <a:t>调度结果</a:t>
             </a:r>
+            <a:endParaRPr kumimoji="1" lang="zh-CN" altLang="en-US" sz="1400" dirty="0" smtClean="0">
+              <a:latin typeface="Heiti SC Light" charset="-122"/>
+              <a:ea typeface="Heiti SC Light" charset="-122"/>
+              <a:cs typeface="Heiti SC Light" charset="-122"/>
+            </a:endParaRPr>
           </a:p>
           <a:p>
             <a:pPr algn="ctr"/>
@@ -19804,6 +20307,11 @@
               </a:rPr>
               <a:t>任务线程</a:t>
             </a:r>
+            <a:endParaRPr kumimoji="1" lang="zh-CN" altLang="en-US" sz="1400" dirty="0">
+              <a:latin typeface="Heiti SC Light" charset="-122"/>
+              <a:ea typeface="Heiti SC Light" charset="-122"/>
+              <a:cs typeface="Heiti SC Light" charset="-122"/>
+            </a:endParaRPr>
           </a:p>
         </p:txBody>
       </p:sp>
@@ -19849,6 +20357,11 @@
               </a:rPr>
               <a:t>调度请求</a:t>
             </a:r>
+            <a:endParaRPr kumimoji="1" lang="zh-CN" altLang="en-US" sz="1400" dirty="0">
+              <a:latin typeface="Heiti SC Light" charset="-122"/>
+              <a:ea typeface="Heiti SC Light" charset="-122"/>
+              <a:cs typeface="Heiti SC Light" charset="-122"/>
+            </a:endParaRPr>
           </a:p>
           <a:p>
             <a:pPr algn="ctr"/>
@@ -20097,41 +20610,46 @@
               </a:rPr>
               <a:t>执行日志</a:t>
             </a:r>
-          </a:p>
-          <a:p>
-            <a:pPr algn="ctr">
-              <a:defRPr/>
-            </a:pPr>
-            <a:r>
-              <a:rPr kumimoji="1" lang="en-US" altLang="zh-CN" sz="1400" dirty="0">
-                <a:latin typeface="Heiti SC Light" charset="-122"/>
-                <a:ea typeface="Heiti SC Light" charset="-122"/>
-                <a:cs typeface="Heiti SC Light" charset="-122"/>
-              </a:rPr>
-              <a:t>(Log</a:t>
-            </a:r>
-            <a:r>
-              <a:rPr kumimoji="1" lang="zh-CN" altLang="en-US" sz="1400" dirty="0">
-                <a:latin typeface="Heiti SC Light" charset="-122"/>
-                <a:ea typeface="Heiti SC Light" charset="-122"/>
-                <a:cs typeface="Heiti SC Light" charset="-122"/>
-              </a:rPr>
-              <a:t>文件</a:t>
-            </a:r>
-            <a:r>
-              <a:rPr kumimoji="1" lang="en-US" altLang="zh-CN" sz="1400" dirty="0">
-                <a:latin typeface="Heiti SC Light" charset="-122"/>
-                <a:ea typeface="Heiti SC Light" charset="-122"/>
-                <a:cs typeface="Heiti SC Light" charset="-122"/>
-              </a:rPr>
-              <a:t>)</a:t>
-            </a:r>
             <a:endParaRPr kumimoji="1" lang="zh-CN" altLang="en-US" sz="1400" dirty="0">
               <a:latin typeface="Heiti SC Light" charset="-122"/>
               <a:ea typeface="Heiti SC Light" charset="-122"/>
               <a:cs typeface="Heiti SC Light" charset="-122"/>
             </a:endParaRPr>
           </a:p>
+          <a:p>
+            <a:pPr algn="ctr">
+              <a:defRPr/>
+            </a:pPr>
+            <a:r>
+              <a:rPr kumimoji="1" lang="en-US" altLang="zh-CN" sz="1400" dirty="0">
+                <a:latin typeface="Heiti SC Light" charset="-122"/>
+                <a:ea typeface="Heiti SC Light" charset="-122"/>
+                <a:cs typeface="Heiti SC Light" charset="-122"/>
+              </a:rPr>
+              <a:t>(Log</a:t>
+            </a:r>
+            <a:r>
+              <a:rPr kumimoji="1" lang="zh-CN" altLang="en-US" sz="1400" dirty="0">
+                <a:latin typeface="Heiti SC Light" charset="-122"/>
+                <a:ea typeface="Heiti SC Light" charset="-122"/>
+                <a:cs typeface="Heiti SC Light" charset="-122"/>
+              </a:rPr>
+              <a:t>文件</a:t>
+            </a:r>
+            <a:r>
+              <a:rPr kumimoji="1" lang="en-US" altLang="zh-CN" sz="1400" dirty="0">
+                <a:latin typeface="Heiti SC Light" charset="-122"/>
+                <a:ea typeface="Heiti SC Light" charset="-122"/>
+                <a:cs typeface="Heiti SC Light" charset="-122"/>
+              </a:rPr>
+              <a:t>)</a:t>
+            </a:r>
+            <a:endParaRPr kumimoji="1" lang="zh-CN" altLang="en-US" sz="1400" dirty="0">
+              <a:latin typeface="Heiti SC Light" charset="-122"/>
+              <a:ea typeface="Heiti SC Light" charset="-122"/>
+              <a:cs typeface="Heiti SC Light" charset="-122"/>
+            </a:endParaRPr>
+          </a:p>
         </p:txBody>
       </p:sp>
       <p:sp>
@@ -20179,6 +20697,11 @@
               </a:rPr>
               <a:t>回调线程</a:t>
             </a:r>
+            <a:endParaRPr kumimoji="1" lang="zh-CN" altLang="en-US" sz="1400" dirty="0">
+              <a:latin typeface="Heiti SC Light" charset="-122"/>
+              <a:ea typeface="Heiti SC Light" charset="-122"/>
+              <a:cs typeface="Heiti SC Light" charset="-122"/>
+            </a:endParaRPr>
           </a:p>
         </p:txBody>
       </p:sp>
@@ -20307,102 +20830,39 @@
               </a:rPr>
               <a:t>日志</a:t>
             </a:r>
-          </a:p>
-          <a:p>
-            <a:pPr algn="ctr">
-              <a:defRPr/>
-            </a:pPr>
-            <a:r>
-              <a:rPr kumimoji="1" lang="en-US" altLang="zh-CN" sz="1400" dirty="0">
-                <a:latin typeface="Heiti SC Light" charset="-122"/>
-                <a:ea typeface="Heiti SC Light" charset="-122"/>
-                <a:cs typeface="Heiti SC Light" charset="-122"/>
-              </a:rPr>
-              <a:t>(</a:t>
-            </a:r>
-            <a:r>
-              <a:rPr kumimoji="1" lang="zh-CN" altLang="en-US" sz="1400" dirty="0">
-                <a:latin typeface="Heiti SC Light" charset="-122"/>
-                <a:ea typeface="Heiti SC Light" charset="-122"/>
-                <a:cs typeface="Heiti SC Light" charset="-122"/>
-              </a:rPr>
-              <a:t>实时</a:t>
-            </a:r>
-            <a:r>
-              <a:rPr kumimoji="1" lang="en-US" altLang="zh-CN" sz="1400" dirty="0">
-                <a:latin typeface="Heiti SC Light" charset="-122"/>
-                <a:ea typeface="Heiti SC Light" charset="-122"/>
-                <a:cs typeface="Heiti SC Light" charset="-122"/>
-              </a:rPr>
-              <a:t>)</a:t>
-            </a:r>
             <a:endParaRPr kumimoji="1" lang="zh-CN" altLang="en-US" sz="1400" dirty="0">
               <a:latin typeface="Heiti SC Light" charset="-122"/>
               <a:ea typeface="Heiti SC Light" charset="-122"/>
               <a:cs typeface="Heiti SC Light" charset="-122"/>
             </a:endParaRPr>
           </a:p>
-        </p:txBody>
-      </p:sp>
-      <p:sp>
-        <p:nvSpPr>
-          <p:cNvPr id="122" name="可选流程 121"/>
-          <p:cNvSpPr/>
-          <p:nvPr/>
-        </p:nvSpPr>
-        <p:spPr>
-          <a:xfrm>
-            <a:off x="6959118" y="2073918"/>
-            <a:ext cx="1074713" cy="580685"/>
-          </a:xfrm>
-          <a:prstGeom prst="flowChartAlternateProcess">
-            <a:avLst/>
-          </a:prstGeom>
-          <a:solidFill>
-            <a:srgbClr val="6095C9"/>
-          </a:solidFill>
-        </p:spPr>
-        <p:style>
-          <a:lnRef idx="0">
-            <a:schemeClr val="accent1"/>
-          </a:lnRef>
-          <a:fillRef idx="3">
-            <a:schemeClr val="accent1"/>
-          </a:fillRef>
-          <a:effectRef idx="3">
-            <a:schemeClr val="accent1"/>
-          </a:effectRef>
-          <a:fontRef idx="minor">
-            <a:schemeClr val="lt1"/>
-          </a:fontRef>
-        </p:style>
-        <p:txBody>
-          <a:bodyPr anchor="ctr"/>
-          <a:lstStyle/>
           <a:p>
             <a:pPr algn="ctr">
               <a:defRPr/>
             </a:pPr>
             <a:r>
+              <a:rPr kumimoji="1" lang="en-US" altLang="zh-CN" sz="1400" dirty="0">
+                <a:latin typeface="Heiti SC Light" charset="-122"/>
+                <a:ea typeface="Heiti SC Light" charset="-122"/>
+                <a:cs typeface="Heiti SC Light" charset="-122"/>
+              </a:rPr>
+              <a:t>(</a:t>
+            </a:r>
+            <a:r>
               <a:rPr kumimoji="1" lang="zh-CN" altLang="en-US" sz="1400" dirty="0">
                 <a:latin typeface="Heiti SC Light" charset="-122"/>
                 <a:ea typeface="Heiti SC Light" charset="-122"/>
                 <a:cs typeface="Heiti SC Light" charset="-122"/>
               </a:rPr>
-              <a:t>日志服务</a:t>
-            </a:r>
-          </a:p>
-          <a:p>
-            <a:pPr algn="ctr">
-              <a:defRPr/>
-            </a:pPr>
+              <a:t>实时</a:t>
+            </a:r>
             <a:r>
               <a:rPr kumimoji="1" lang="en-US" altLang="zh-CN" sz="1400" dirty="0">
                 <a:latin typeface="Heiti SC Light" charset="-122"/>
                 <a:ea typeface="Heiti SC Light" charset="-122"/>
                 <a:cs typeface="Heiti SC Light" charset="-122"/>
               </a:rPr>
-              <a:t>(jetty)</a:t>
+              <a:t>)</a:t>
             </a:r>
             <a:endParaRPr kumimoji="1" lang="zh-CN" altLang="en-US" sz="1400" dirty="0">
               <a:latin typeface="Heiti SC Light" charset="-122"/>
@@ -20414,6 +20874,79 @@
       </p:sp>
       <p:sp>
         <p:nvSpPr>
+          <p:cNvPr id="122" name="可选流程 121"/>
+          <p:cNvSpPr/>
+          <p:nvPr/>
+        </p:nvSpPr>
+        <p:spPr>
+          <a:xfrm>
+            <a:off x="6959118" y="2073918"/>
+            <a:ext cx="1074713" cy="580685"/>
+          </a:xfrm>
+          <a:prstGeom prst="flowChartAlternateProcess">
+            <a:avLst/>
+          </a:prstGeom>
+          <a:solidFill>
+            <a:srgbClr val="6095C9"/>
+          </a:solidFill>
+        </p:spPr>
+        <p:style>
+          <a:lnRef idx="0">
+            <a:schemeClr val="accent1"/>
+          </a:lnRef>
+          <a:fillRef idx="3">
+            <a:schemeClr val="accent1"/>
+          </a:fillRef>
+          <a:effectRef idx="3">
+            <a:schemeClr val="accent1"/>
+          </a:effectRef>
+          <a:fontRef idx="minor">
+            <a:schemeClr val="lt1"/>
+          </a:fontRef>
+        </p:style>
+        <p:txBody>
+          <a:bodyPr anchor="ctr"/>
+          <a:lstStyle/>
+          <a:p>
+            <a:pPr algn="ctr">
+              <a:defRPr/>
+            </a:pPr>
+            <a:r>
+              <a:rPr kumimoji="1" lang="zh-CN" altLang="en-US" sz="1400" dirty="0">
+                <a:latin typeface="Heiti SC Light" charset="-122"/>
+                <a:ea typeface="Heiti SC Light" charset="-122"/>
+                <a:cs typeface="Heiti SC Light" charset="-122"/>
+              </a:rPr>
+              <a:t>日志服务</a:t>
+            </a:r>
+            <a:endParaRPr kumimoji="1" lang="zh-CN" altLang="en-US" sz="1400" dirty="0">
+              <a:latin typeface="Heiti SC Light" charset="-122"/>
+              <a:ea typeface="Heiti SC Light" charset="-122"/>
+              <a:cs typeface="Heiti SC Light" charset="-122"/>
+            </a:endParaRPr>
+          </a:p>
+          <a:p>
+            <a:pPr algn="ctr">
+              <a:defRPr/>
+            </a:pPr>
+            <a:r>
+              <a:rPr kumimoji="1" lang="en-US" altLang="zh-CN" sz="1400" dirty="0">
+                <a:latin typeface="Heiti SC Light" charset="-122"/>
+                <a:ea typeface="Heiti SC Light" charset="-122"/>
+                <a:cs typeface="Heiti SC Light" charset="-122"/>
+              </a:rPr>
+              <a:t>(jetty)</a:t>
+            </a:r>
+            <a:endParaRPr kumimoji="1" lang="zh-CN" altLang="en-US" sz="1400" dirty="0">
+              <a:latin typeface="Heiti SC Light" charset="-122"/>
+              <a:ea typeface="Heiti SC Light" charset="-122"/>
+              <a:cs typeface="Heiti SC Light" charset="-122"/>
+            </a:endParaRPr>
+          </a:p>
+        </p:txBody>
+      </p:sp>
+      <p:sp>
+        <p:nvSpPr>
           <p:cNvPr id="2" name="矩形 1"/>
           <p:cNvSpPr/>
           <p:nvPr/>
@@ -20458,6 +20991,11 @@
               </a:rPr>
               <a:t>v1.9</a:t>
             </a:r>
+            <a:endParaRPr lang="en-US" altLang="zh-CN" sz="2800" b="1" dirty="0">
+              <a:latin typeface="Heiti SC Light" charset="-122"/>
+              <a:ea typeface="Heiti SC Light" charset="-122"/>
+              <a:cs typeface="Heiti SC Light" charset="-122"/>
+            </a:endParaRPr>
           </a:p>
         </p:txBody>
       </p:sp>
@@ -20548,6 +21086,14 @@
               </a:rPr>
               <a:t>调度中心</a:t>
             </a:r>
+            <a:endParaRPr kumimoji="1" lang="zh-CN" altLang="en-US" sz="1600" b="1" dirty="0">
+              <a:solidFill>
+                <a:schemeClr val="tx1"/>
+              </a:solidFill>
+              <a:latin typeface="Heiti SC Light" charset="-122"/>
+              <a:ea typeface="Heiti SC Light" charset="-122"/>
+              <a:cs typeface="Heiti SC Light" charset="-122"/>
+            </a:endParaRPr>
           </a:p>
         </p:txBody>
       </p:sp>
@@ -20650,6 +21196,11 @@
               </a:rPr>
               <a:t>注册服务</a:t>
             </a:r>
+            <a:endParaRPr kumimoji="1" lang="zh-CN" altLang="en-US" sz="1400" dirty="0" smtClean="0">
+              <a:latin typeface="Heiti SC Light" charset="-122"/>
+              <a:ea typeface="Heiti SC Light" charset="-122"/>
+              <a:cs typeface="Heiti SC Light" charset="-122"/>
+            </a:endParaRPr>
           </a:p>
           <a:p>
             <a:pPr algn="ctr">
@@ -20721,6 +21272,11 @@
               </a:rPr>
               <a:t>任务管理</a:t>
             </a:r>
+            <a:endParaRPr kumimoji="1" lang="zh-CN" altLang="en-US" sz="1400" b="1" dirty="0" smtClean="0">
+              <a:latin typeface="Heiti SC Light" charset="-122"/>
+              <a:ea typeface="Heiti SC Light" charset="-122"/>
+              <a:cs typeface="Heiti SC Light" charset="-122"/>
+            </a:endParaRPr>
           </a:p>
         </p:txBody>
       </p:sp>
@@ -21329,6 +21885,11 @@
               </a:rPr>
               <a:t>调度器</a:t>
             </a:r>
+            <a:endParaRPr kumimoji="1" lang="zh-CN" altLang="en-US" sz="1400" dirty="0" smtClean="0">
+              <a:latin typeface="Heiti SC Light" charset="-122"/>
+              <a:ea typeface="Heiti SC Light" charset="-122"/>
+              <a:cs typeface="Heiti SC Light" charset="-122"/>
+            </a:endParaRPr>
           </a:p>
           <a:p>
             <a:pPr algn="ctr">
@@ -21405,6 +21966,11 @@
               </a:rPr>
               <a:t>服务</a:t>
             </a:r>
+            <a:endParaRPr kumimoji="1" lang="zh-CN" altLang="en-US" sz="1400" dirty="0" smtClean="0">
+              <a:latin typeface="Heiti SC Light" charset="-122"/>
+              <a:ea typeface="Heiti SC Light" charset="-122"/>
+              <a:cs typeface="Heiti SC Light" charset="-122"/>
+            </a:endParaRPr>
           </a:p>
           <a:p>
             <a:pPr algn="ctr">
@@ -21476,6 +22042,11 @@
               </a:rPr>
               <a:t>日志管理</a:t>
             </a:r>
+            <a:endParaRPr kumimoji="1" lang="zh-CN" altLang="en-US" sz="1400" b="1" dirty="0">
+              <a:latin typeface="Heiti SC Light" charset="-122"/>
+              <a:ea typeface="Heiti SC Light" charset="-122"/>
+              <a:cs typeface="Heiti SC Light" charset="-122"/>
+            </a:endParaRPr>
           </a:p>
         </p:txBody>
       </p:sp>
@@ -21526,6 +22097,11 @@
               </a:rPr>
               <a:t>调度日志</a:t>
             </a:r>
+            <a:endParaRPr kumimoji="1" lang="zh-CN" altLang="en-US" sz="1400" dirty="0">
+              <a:latin typeface="Heiti SC Light" charset="-122"/>
+              <a:ea typeface="Heiti SC Light" charset="-122"/>
+              <a:cs typeface="Heiti SC Light" charset="-122"/>
+            </a:endParaRPr>
           </a:p>
         </p:txBody>
       </p:sp>
@@ -21584,6 +22160,11 @@
               </a:rPr>
               <a:t>日志</a:t>
             </a:r>
+            <a:endParaRPr kumimoji="1" lang="zh-CN" altLang="en-US" sz="1400" dirty="0">
+              <a:latin typeface="Heiti SC Light" charset="-122"/>
+              <a:ea typeface="Heiti SC Light" charset="-122"/>
+              <a:cs typeface="Heiti SC Light" charset="-122"/>
+            </a:endParaRPr>
           </a:p>
         </p:txBody>
       </p:sp>
@@ -21642,6 +22223,11 @@
               </a:rPr>
               <a:t>版本日志</a:t>
             </a:r>
+            <a:endParaRPr kumimoji="1" lang="zh-CN" altLang="en-US" sz="1400" dirty="0">
+              <a:latin typeface="Heiti SC Light" charset="-122"/>
+              <a:ea typeface="Heiti SC Light" charset="-122"/>
+              <a:cs typeface="Heiti SC Light" charset="-122"/>
+            </a:endParaRPr>
           </a:p>
         </p:txBody>
       </p:sp>
@@ -21750,6 +22336,11 @@
               </a:rPr>
               <a:t>其他</a:t>
             </a:r>
+            <a:endParaRPr kumimoji="1" lang="zh-CN" altLang="en-US" sz="1400" b="1" dirty="0" smtClean="0">
+              <a:latin typeface="Heiti SC Light" charset="-122"/>
+              <a:ea typeface="Heiti SC Light" charset="-122"/>
+              <a:cs typeface="Heiti SC Light" charset="-122"/>
+            </a:endParaRPr>
           </a:p>
         </p:txBody>
       </p:sp>
@@ -22302,6 +22893,11 @@
               </a:rPr>
               <a:t>调度结果</a:t>
             </a:r>
+            <a:endParaRPr kumimoji="1" lang="zh-CN" altLang="en-US" sz="1400" dirty="0" smtClean="0">
+              <a:latin typeface="Heiti SC Light" charset="-122"/>
+              <a:ea typeface="Heiti SC Light" charset="-122"/>
+              <a:cs typeface="Heiti SC Light" charset="-122"/>
+            </a:endParaRPr>
           </a:p>
           <a:p>
             <a:pPr algn="ctr"/>
@@ -22454,6 +23050,11 @@
               </a:rPr>
               <a:t>任务线程</a:t>
             </a:r>
+            <a:endParaRPr kumimoji="1" lang="zh-CN" altLang="en-US" sz="1400" dirty="0">
+              <a:latin typeface="Heiti SC Light" charset="-122"/>
+              <a:ea typeface="Heiti SC Light" charset="-122"/>
+              <a:cs typeface="Heiti SC Light" charset="-122"/>
+            </a:endParaRPr>
           </a:p>
         </p:txBody>
       </p:sp>
@@ -22499,6 +23100,11 @@
               </a:rPr>
               <a:t>调度请求</a:t>
             </a:r>
+            <a:endParaRPr kumimoji="1" lang="zh-CN" altLang="en-US" sz="1400" dirty="0">
+              <a:latin typeface="Heiti SC Light" charset="-122"/>
+              <a:ea typeface="Heiti SC Light" charset="-122"/>
+              <a:cs typeface="Heiti SC Light" charset="-122"/>
+            </a:endParaRPr>
           </a:p>
           <a:p>
             <a:pPr algn="ctr"/>
@@ -22747,41 +23353,46 @@
               </a:rPr>
               <a:t>执行日志</a:t>
             </a:r>
-          </a:p>
-          <a:p>
-            <a:pPr algn="ctr">
-              <a:defRPr/>
-            </a:pPr>
-            <a:r>
-              <a:rPr kumimoji="1" lang="en-US" altLang="zh-CN" sz="1400" dirty="0">
-                <a:latin typeface="Heiti SC Light" charset="-122"/>
-                <a:ea typeface="Heiti SC Light" charset="-122"/>
-                <a:cs typeface="Heiti SC Light" charset="-122"/>
-              </a:rPr>
-              <a:t>(Log</a:t>
-            </a:r>
-            <a:r>
-              <a:rPr kumimoji="1" lang="zh-CN" altLang="en-US" sz="1400" dirty="0">
-                <a:latin typeface="Heiti SC Light" charset="-122"/>
-                <a:ea typeface="Heiti SC Light" charset="-122"/>
-                <a:cs typeface="Heiti SC Light" charset="-122"/>
-              </a:rPr>
-              <a:t>文件</a:t>
-            </a:r>
-            <a:r>
-              <a:rPr kumimoji="1" lang="en-US" altLang="zh-CN" sz="1400" dirty="0">
-                <a:latin typeface="Heiti SC Light" charset="-122"/>
-                <a:ea typeface="Heiti SC Light" charset="-122"/>
-                <a:cs typeface="Heiti SC Light" charset="-122"/>
-              </a:rPr>
-              <a:t>)</a:t>
-            </a:r>
             <a:endParaRPr kumimoji="1" lang="zh-CN" altLang="en-US" sz="1400" dirty="0">
               <a:latin typeface="Heiti SC Light" charset="-122"/>
               <a:ea typeface="Heiti SC Light" charset="-122"/>
               <a:cs typeface="Heiti SC Light" charset="-122"/>
             </a:endParaRPr>
           </a:p>
+          <a:p>
+            <a:pPr algn="ctr">
+              <a:defRPr/>
+            </a:pPr>
+            <a:r>
+              <a:rPr kumimoji="1" lang="en-US" altLang="zh-CN" sz="1400" dirty="0">
+                <a:latin typeface="Heiti SC Light" charset="-122"/>
+                <a:ea typeface="Heiti SC Light" charset="-122"/>
+                <a:cs typeface="Heiti SC Light" charset="-122"/>
+              </a:rPr>
+              <a:t>(Log</a:t>
+            </a:r>
+            <a:r>
+              <a:rPr kumimoji="1" lang="zh-CN" altLang="en-US" sz="1400" dirty="0">
+                <a:latin typeface="Heiti SC Light" charset="-122"/>
+                <a:ea typeface="Heiti SC Light" charset="-122"/>
+                <a:cs typeface="Heiti SC Light" charset="-122"/>
+              </a:rPr>
+              <a:t>文件</a:t>
+            </a:r>
+            <a:r>
+              <a:rPr kumimoji="1" lang="en-US" altLang="zh-CN" sz="1400" dirty="0">
+                <a:latin typeface="Heiti SC Light" charset="-122"/>
+                <a:ea typeface="Heiti SC Light" charset="-122"/>
+                <a:cs typeface="Heiti SC Light" charset="-122"/>
+              </a:rPr>
+              <a:t>)</a:t>
+            </a:r>
+            <a:endParaRPr kumimoji="1" lang="zh-CN" altLang="en-US" sz="1400" dirty="0">
+              <a:latin typeface="Heiti SC Light" charset="-122"/>
+              <a:ea typeface="Heiti SC Light" charset="-122"/>
+              <a:cs typeface="Heiti SC Light" charset="-122"/>
+            </a:endParaRPr>
+          </a:p>
         </p:txBody>
       </p:sp>
       <p:sp>
@@ -22829,6 +23440,11 @@
               </a:rPr>
               <a:t>回调线程</a:t>
             </a:r>
+            <a:endParaRPr kumimoji="1" lang="zh-CN" altLang="en-US" sz="1400" dirty="0">
+              <a:latin typeface="Heiti SC Light" charset="-122"/>
+              <a:ea typeface="Heiti SC Light" charset="-122"/>
+              <a:cs typeface="Heiti SC Light" charset="-122"/>
+            </a:endParaRPr>
           </a:p>
         </p:txBody>
       </p:sp>
@@ -22957,102 +23573,39 @@
               </a:rPr>
               <a:t>日志</a:t>
             </a:r>
-          </a:p>
-          <a:p>
-            <a:pPr algn="ctr">
-              <a:defRPr/>
-            </a:pPr>
-            <a:r>
-              <a:rPr kumimoji="1" lang="en-US" altLang="zh-CN" sz="1400" dirty="0">
-                <a:latin typeface="Heiti SC Light" charset="-122"/>
-                <a:ea typeface="Heiti SC Light" charset="-122"/>
-                <a:cs typeface="Heiti SC Light" charset="-122"/>
-              </a:rPr>
-              <a:t>(</a:t>
-            </a:r>
-            <a:r>
-              <a:rPr kumimoji="1" lang="zh-CN" altLang="en-US" sz="1400" dirty="0">
-                <a:latin typeface="Heiti SC Light" charset="-122"/>
-                <a:ea typeface="Heiti SC Light" charset="-122"/>
-                <a:cs typeface="Heiti SC Light" charset="-122"/>
-              </a:rPr>
-              <a:t>实时</a:t>
-            </a:r>
-            <a:r>
-              <a:rPr kumimoji="1" lang="en-US" altLang="zh-CN" sz="1400" dirty="0">
-                <a:latin typeface="Heiti SC Light" charset="-122"/>
-                <a:ea typeface="Heiti SC Light" charset="-122"/>
-                <a:cs typeface="Heiti SC Light" charset="-122"/>
-              </a:rPr>
-              <a:t>)</a:t>
-            </a:r>
             <a:endParaRPr kumimoji="1" lang="zh-CN" altLang="en-US" sz="1400" dirty="0">
               <a:latin typeface="Heiti SC Light" charset="-122"/>
               <a:ea typeface="Heiti SC Light" charset="-122"/>
               <a:cs typeface="Heiti SC Light" charset="-122"/>
             </a:endParaRPr>
           </a:p>
-        </p:txBody>
-      </p:sp>
-      <p:sp>
-        <p:nvSpPr>
-          <p:cNvPr id="122" name="可选流程 121"/>
-          <p:cNvSpPr/>
-          <p:nvPr/>
-        </p:nvSpPr>
-        <p:spPr>
-          <a:xfrm>
-            <a:off x="6959118" y="2073918"/>
-            <a:ext cx="1074713" cy="580685"/>
-          </a:xfrm>
-          <a:prstGeom prst="flowChartAlternateProcess">
-            <a:avLst/>
-          </a:prstGeom>
-          <a:solidFill>
-            <a:srgbClr val="6095C9"/>
-          </a:solidFill>
-        </p:spPr>
-        <p:style>
-          <a:lnRef idx="0">
-            <a:schemeClr val="accent1"/>
-          </a:lnRef>
-          <a:fillRef idx="3">
-            <a:schemeClr val="accent1"/>
-          </a:fillRef>
-          <a:effectRef idx="3">
-            <a:schemeClr val="accent1"/>
-          </a:effectRef>
-          <a:fontRef idx="minor">
-            <a:schemeClr val="lt1"/>
-          </a:fontRef>
-        </p:style>
-        <p:txBody>
-          <a:bodyPr anchor="ctr"/>
-          <a:lstStyle/>
           <a:p>
             <a:pPr algn="ctr">
               <a:defRPr/>
             </a:pPr>
             <a:r>
+              <a:rPr kumimoji="1" lang="en-US" altLang="zh-CN" sz="1400" dirty="0">
+                <a:latin typeface="Heiti SC Light" charset="-122"/>
+                <a:ea typeface="Heiti SC Light" charset="-122"/>
+                <a:cs typeface="Heiti SC Light" charset="-122"/>
+              </a:rPr>
+              <a:t>(</a:t>
+            </a:r>
+            <a:r>
               <a:rPr kumimoji="1" lang="zh-CN" altLang="en-US" sz="1400" dirty="0">
                 <a:latin typeface="Heiti SC Light" charset="-122"/>
                 <a:ea typeface="Heiti SC Light" charset="-122"/>
                 <a:cs typeface="Heiti SC Light" charset="-122"/>
               </a:rPr>
-              <a:t>日志服务</a:t>
-            </a:r>
-          </a:p>
-          <a:p>
-            <a:pPr algn="ctr">
-              <a:defRPr/>
-            </a:pPr>
+              <a:t>实时</a:t>
+            </a:r>
             <a:r>
               <a:rPr kumimoji="1" lang="en-US" altLang="zh-CN" sz="1400" dirty="0">
                 <a:latin typeface="Heiti SC Light" charset="-122"/>
                 <a:ea typeface="Heiti SC Light" charset="-122"/>
                 <a:cs typeface="Heiti SC Light" charset="-122"/>
               </a:rPr>
-              <a:t>(jetty)</a:t>
+              <a:t>)</a:t>
             </a:r>
             <a:endParaRPr kumimoji="1" lang="zh-CN" altLang="en-US" sz="1400" dirty="0">
               <a:latin typeface="Heiti SC Light" charset="-122"/>
@@ -23064,6 +23617,79 @@
       </p:sp>
       <p:sp>
         <p:nvSpPr>
+          <p:cNvPr id="122" name="可选流程 121"/>
+          <p:cNvSpPr/>
+          <p:nvPr/>
+        </p:nvSpPr>
+        <p:spPr>
+          <a:xfrm>
+            <a:off x="6959118" y="2073918"/>
+            <a:ext cx="1074713" cy="580685"/>
+          </a:xfrm>
+          <a:prstGeom prst="flowChartAlternateProcess">
+            <a:avLst/>
+          </a:prstGeom>
+          <a:solidFill>
+            <a:srgbClr val="6095C9"/>
+          </a:solidFill>
+        </p:spPr>
+        <p:style>
+          <a:lnRef idx="0">
+            <a:schemeClr val="accent1"/>
+          </a:lnRef>
+          <a:fillRef idx="3">
+            <a:schemeClr val="accent1"/>
+          </a:fillRef>
+          <a:effectRef idx="3">
+            <a:schemeClr val="accent1"/>
+          </a:effectRef>
+          <a:fontRef idx="minor">
+            <a:schemeClr val="lt1"/>
+          </a:fontRef>
+        </p:style>
+        <p:txBody>
+          <a:bodyPr anchor="ctr"/>
+          <a:lstStyle/>
+          <a:p>
+            <a:pPr algn="ctr">
+              <a:defRPr/>
+            </a:pPr>
+            <a:r>
+              <a:rPr kumimoji="1" lang="zh-CN" altLang="en-US" sz="1400" dirty="0">
+                <a:latin typeface="Heiti SC Light" charset="-122"/>
+                <a:ea typeface="Heiti SC Light" charset="-122"/>
+                <a:cs typeface="Heiti SC Light" charset="-122"/>
+              </a:rPr>
+              <a:t>日志服务</a:t>
+            </a:r>
+            <a:endParaRPr kumimoji="1" lang="zh-CN" altLang="en-US" sz="1400" dirty="0">
+              <a:latin typeface="Heiti SC Light" charset="-122"/>
+              <a:ea typeface="Heiti SC Light" charset="-122"/>
+              <a:cs typeface="Heiti SC Light" charset="-122"/>
+            </a:endParaRPr>
+          </a:p>
+          <a:p>
+            <a:pPr algn="ctr">
+              <a:defRPr/>
+            </a:pPr>
+            <a:r>
+              <a:rPr kumimoji="1" lang="en-US" altLang="zh-CN" sz="1400" dirty="0">
+                <a:latin typeface="Heiti SC Light" charset="-122"/>
+                <a:ea typeface="Heiti SC Light" charset="-122"/>
+                <a:cs typeface="Heiti SC Light" charset="-122"/>
+              </a:rPr>
+              <a:t>(jetty)</a:t>
+            </a:r>
+            <a:endParaRPr kumimoji="1" lang="zh-CN" altLang="en-US" sz="1400" dirty="0">
+              <a:latin typeface="Heiti SC Light" charset="-122"/>
+              <a:ea typeface="Heiti SC Light" charset="-122"/>
+              <a:cs typeface="Heiti SC Light" charset="-122"/>
+            </a:endParaRPr>
+          </a:p>
+        </p:txBody>
+      </p:sp>
+      <p:sp>
+        <p:nvSpPr>
           <p:cNvPr id="2" name="矩形 1"/>
           <p:cNvSpPr/>
           <p:nvPr/>
@@ -23108,6 +23734,11 @@
               </a:rPr>
               <a:t>v1.9.2</a:t>
             </a:r>
+            <a:endParaRPr lang="en-US" altLang="zh-CN" sz="2800" dirty="0">
+              <a:latin typeface="Heiti SC Light" charset="-122"/>
+              <a:ea typeface="Heiti SC Light" charset="-122"/>
+              <a:cs typeface="Heiti SC Light" charset="-122"/>
+            </a:endParaRPr>
           </a:p>
         </p:txBody>
       </p:sp>
@@ -23198,6 +23829,14 @@
               </a:rPr>
               <a:t>调度中心</a:t>
             </a:r>
+            <a:endParaRPr kumimoji="1" lang="zh-CN" altLang="en-US" sz="1600" b="1" dirty="0">
+              <a:solidFill>
+                <a:schemeClr val="tx1"/>
+              </a:solidFill>
+              <a:latin typeface="Heiti SC Light" charset="-122"/>
+              <a:ea typeface="Heiti SC Light" charset="-122"/>
+              <a:cs typeface="Heiti SC Light" charset="-122"/>
+            </a:endParaRPr>
           </a:p>
         </p:txBody>
       </p:sp>
@@ -23300,6 +23939,11 @@
               </a:rPr>
               <a:t>注册服务</a:t>
             </a:r>
+            <a:endParaRPr kumimoji="1" lang="zh-CN" altLang="en-US" sz="1400" dirty="0" smtClean="0">
+              <a:latin typeface="Heiti SC Light" charset="-122"/>
+              <a:ea typeface="Heiti SC Light" charset="-122"/>
+              <a:cs typeface="Heiti SC Light" charset="-122"/>
+            </a:endParaRPr>
           </a:p>
         </p:txBody>
       </p:sp>
@@ -23353,6 +23997,11 @@
               </a:rPr>
               <a:t>任务管理</a:t>
             </a:r>
+            <a:endParaRPr kumimoji="1" lang="zh-CN" altLang="en-US" sz="1400" b="1" dirty="0" smtClean="0">
+              <a:latin typeface="Heiti SC Light" charset="-122"/>
+              <a:ea typeface="Heiti SC Light" charset="-122"/>
+              <a:cs typeface="Heiti SC Light" charset="-122"/>
+            </a:endParaRPr>
           </a:p>
         </p:txBody>
       </p:sp>
@@ -23961,6 +24610,11 @@
               </a:rPr>
               <a:t>调度器</a:t>
             </a:r>
+            <a:endParaRPr kumimoji="1" lang="zh-CN" altLang="en-US" sz="1400" dirty="0" smtClean="0">
+              <a:latin typeface="Heiti SC Light" charset="-122"/>
+              <a:ea typeface="Heiti SC Light" charset="-122"/>
+              <a:cs typeface="Heiti SC Light" charset="-122"/>
+            </a:endParaRPr>
           </a:p>
           <a:p>
             <a:pPr algn="ctr">
@@ -24037,6 +24691,11 @@
               </a:rPr>
               <a:t>服务</a:t>
             </a:r>
+            <a:endParaRPr kumimoji="1" lang="zh-CN" altLang="en-US" sz="1400" dirty="0" smtClean="0">
+              <a:latin typeface="Heiti SC Light" charset="-122"/>
+              <a:ea typeface="Heiti SC Light" charset="-122"/>
+              <a:cs typeface="Heiti SC Light" charset="-122"/>
+            </a:endParaRPr>
           </a:p>
         </p:txBody>
       </p:sp>
@@ -24090,6 +24749,11 @@
               </a:rPr>
               <a:t>日志管理</a:t>
             </a:r>
+            <a:endParaRPr kumimoji="1" lang="zh-CN" altLang="en-US" sz="1400" b="1" dirty="0">
+              <a:latin typeface="Heiti SC Light" charset="-122"/>
+              <a:ea typeface="Heiti SC Light" charset="-122"/>
+              <a:cs typeface="Heiti SC Light" charset="-122"/>
+            </a:endParaRPr>
           </a:p>
         </p:txBody>
       </p:sp>
@@ -24140,6 +24804,11 @@
               </a:rPr>
               <a:t>调度日志</a:t>
             </a:r>
+            <a:endParaRPr kumimoji="1" lang="zh-CN" altLang="en-US" sz="1400" dirty="0">
+              <a:latin typeface="Heiti SC Light" charset="-122"/>
+              <a:ea typeface="Heiti SC Light" charset="-122"/>
+              <a:cs typeface="Heiti SC Light" charset="-122"/>
+            </a:endParaRPr>
           </a:p>
         </p:txBody>
       </p:sp>
@@ -24198,6 +24867,11 @@
               </a:rPr>
               <a:t>日志</a:t>
             </a:r>
+            <a:endParaRPr kumimoji="1" lang="zh-CN" altLang="en-US" sz="1400" dirty="0">
+              <a:latin typeface="Heiti SC Light" charset="-122"/>
+              <a:ea typeface="Heiti SC Light" charset="-122"/>
+              <a:cs typeface="Heiti SC Light" charset="-122"/>
+            </a:endParaRPr>
           </a:p>
         </p:txBody>
       </p:sp>
@@ -24256,6 +24930,11 @@
               </a:rPr>
               <a:t>版本日志</a:t>
             </a:r>
+            <a:endParaRPr kumimoji="1" lang="zh-CN" altLang="en-US" sz="1400" dirty="0">
+              <a:latin typeface="Heiti SC Light" charset="-122"/>
+              <a:ea typeface="Heiti SC Light" charset="-122"/>
+              <a:cs typeface="Heiti SC Light" charset="-122"/>
+            </a:endParaRPr>
           </a:p>
         </p:txBody>
       </p:sp>
@@ -24364,6 +25043,11 @@
               </a:rPr>
               <a:t>其他</a:t>
             </a:r>
+            <a:endParaRPr kumimoji="1" lang="zh-CN" altLang="en-US" sz="1400" b="1" dirty="0" smtClean="0">
+              <a:latin typeface="Heiti SC Light" charset="-122"/>
+              <a:ea typeface="Heiti SC Light" charset="-122"/>
+              <a:cs typeface="Heiti SC Light" charset="-122"/>
+            </a:endParaRPr>
           </a:p>
         </p:txBody>
       </p:sp>
@@ -24908,6 +25592,11 @@
               </a:rPr>
               <a:t>调度结果</a:t>
             </a:r>
+            <a:endParaRPr kumimoji="1" lang="zh-CN" altLang="en-US" sz="1400" dirty="0" smtClean="0">
+              <a:latin typeface="Heiti SC Light" charset="-122"/>
+              <a:ea typeface="Heiti SC Light" charset="-122"/>
+              <a:cs typeface="Heiti SC Light" charset="-122"/>
+            </a:endParaRPr>
           </a:p>
           <a:p>
             <a:pPr algn="ctr"/>
@@ -25060,6 +25749,11 @@
               </a:rPr>
               <a:t>任务线程</a:t>
             </a:r>
+            <a:endParaRPr kumimoji="1" lang="zh-CN" altLang="en-US" sz="1400" dirty="0">
+              <a:latin typeface="Heiti SC Light" charset="-122"/>
+              <a:ea typeface="Heiti SC Light" charset="-122"/>
+              <a:cs typeface="Heiti SC Light" charset="-122"/>
+            </a:endParaRPr>
           </a:p>
         </p:txBody>
       </p:sp>
@@ -25105,6 +25799,11 @@
               </a:rPr>
               <a:t>调度请求</a:t>
             </a:r>
+            <a:endParaRPr kumimoji="1" lang="zh-CN" altLang="en-US" sz="1400" dirty="0">
+              <a:latin typeface="Heiti SC Light" charset="-122"/>
+              <a:ea typeface="Heiti SC Light" charset="-122"/>
+              <a:cs typeface="Heiti SC Light" charset="-122"/>
+            </a:endParaRPr>
           </a:p>
           <a:p>
             <a:pPr algn="ctr"/>
@@ -25238,6 +25937,11 @@
               </a:rPr>
               <a:t>）</a:t>
             </a:r>
+            <a:endParaRPr kumimoji="1" lang="zh-CN" altLang="en-US" sz="1400" dirty="0" smtClean="0">
+              <a:latin typeface="Heiti SC Light" charset="-122"/>
+              <a:ea typeface="Heiti SC Light" charset="-122"/>
+              <a:cs typeface="Heiti SC Light" charset="-122"/>
+            </a:endParaRPr>
           </a:p>
         </p:txBody>
       </p:sp>
@@ -25372,41 +26076,46 @@
               </a:rPr>
               <a:t>执行日志</a:t>
             </a:r>
-          </a:p>
-          <a:p>
-            <a:pPr algn="ctr">
-              <a:defRPr/>
-            </a:pPr>
-            <a:r>
-              <a:rPr kumimoji="1" lang="en-US" altLang="zh-CN" sz="1400" dirty="0">
-                <a:latin typeface="Heiti SC Light" charset="-122"/>
-                <a:ea typeface="Heiti SC Light" charset="-122"/>
-                <a:cs typeface="Heiti SC Light" charset="-122"/>
-              </a:rPr>
-              <a:t>(Log</a:t>
-            </a:r>
-            <a:r>
-              <a:rPr kumimoji="1" lang="zh-CN" altLang="en-US" sz="1400" dirty="0">
-                <a:latin typeface="Heiti SC Light" charset="-122"/>
-                <a:ea typeface="Heiti SC Light" charset="-122"/>
-                <a:cs typeface="Heiti SC Light" charset="-122"/>
-              </a:rPr>
-              <a:t>文件</a:t>
-            </a:r>
-            <a:r>
-              <a:rPr kumimoji="1" lang="en-US" altLang="zh-CN" sz="1400" dirty="0">
-                <a:latin typeface="Heiti SC Light" charset="-122"/>
-                <a:ea typeface="Heiti SC Light" charset="-122"/>
-                <a:cs typeface="Heiti SC Light" charset="-122"/>
-              </a:rPr>
-              <a:t>)</a:t>
-            </a:r>
             <a:endParaRPr kumimoji="1" lang="zh-CN" altLang="en-US" sz="1400" dirty="0">
               <a:latin typeface="Heiti SC Light" charset="-122"/>
               <a:ea typeface="Heiti SC Light" charset="-122"/>
               <a:cs typeface="Heiti SC Light" charset="-122"/>
             </a:endParaRPr>
           </a:p>
+          <a:p>
+            <a:pPr algn="ctr">
+              <a:defRPr/>
+            </a:pPr>
+            <a:r>
+              <a:rPr kumimoji="1" lang="en-US" altLang="zh-CN" sz="1400" dirty="0">
+                <a:latin typeface="Heiti SC Light" charset="-122"/>
+                <a:ea typeface="Heiti SC Light" charset="-122"/>
+                <a:cs typeface="Heiti SC Light" charset="-122"/>
+              </a:rPr>
+              <a:t>(Log</a:t>
+            </a:r>
+            <a:r>
+              <a:rPr kumimoji="1" lang="zh-CN" altLang="en-US" sz="1400" dirty="0">
+                <a:latin typeface="Heiti SC Light" charset="-122"/>
+                <a:ea typeface="Heiti SC Light" charset="-122"/>
+                <a:cs typeface="Heiti SC Light" charset="-122"/>
+              </a:rPr>
+              <a:t>文件</a:t>
+            </a:r>
+            <a:r>
+              <a:rPr kumimoji="1" lang="en-US" altLang="zh-CN" sz="1400" dirty="0">
+                <a:latin typeface="Heiti SC Light" charset="-122"/>
+                <a:ea typeface="Heiti SC Light" charset="-122"/>
+                <a:cs typeface="Heiti SC Light" charset="-122"/>
+              </a:rPr>
+              <a:t>)</a:t>
+            </a:r>
+            <a:endParaRPr kumimoji="1" lang="zh-CN" altLang="en-US" sz="1400" dirty="0">
+              <a:latin typeface="Heiti SC Light" charset="-122"/>
+              <a:ea typeface="Heiti SC Light" charset="-122"/>
+              <a:cs typeface="Heiti SC Light" charset="-122"/>
+            </a:endParaRPr>
+          </a:p>
         </p:txBody>
       </p:sp>
       <p:sp>
@@ -25454,6 +26163,11 @@
               </a:rPr>
               <a:t>回调线程</a:t>
             </a:r>
+            <a:endParaRPr kumimoji="1" lang="zh-CN" altLang="en-US" sz="1400" dirty="0">
+              <a:latin typeface="Heiti SC Light" charset="-122"/>
+              <a:ea typeface="Heiti SC Light" charset="-122"/>
+              <a:cs typeface="Heiti SC Light" charset="-122"/>
+            </a:endParaRPr>
           </a:p>
         </p:txBody>
       </p:sp>
@@ -25582,97 +26296,39 @@
               </a:rPr>
               <a:t>日志</a:t>
             </a:r>
-          </a:p>
-          <a:p>
-            <a:pPr algn="ctr">
-              <a:defRPr/>
-            </a:pPr>
-            <a:r>
-              <a:rPr kumimoji="1" lang="en-US" altLang="zh-CN" sz="1400" dirty="0">
-                <a:latin typeface="Heiti SC Light" charset="-122"/>
-                <a:ea typeface="Heiti SC Light" charset="-122"/>
-                <a:cs typeface="Heiti SC Light" charset="-122"/>
-              </a:rPr>
-              <a:t>(</a:t>
-            </a:r>
-            <a:r>
-              <a:rPr kumimoji="1" lang="zh-CN" altLang="en-US" sz="1400" dirty="0">
-                <a:latin typeface="Heiti SC Light" charset="-122"/>
-                <a:ea typeface="Heiti SC Light" charset="-122"/>
-                <a:cs typeface="Heiti SC Light" charset="-122"/>
-              </a:rPr>
-              <a:t>实时</a:t>
-            </a:r>
-            <a:r>
-              <a:rPr kumimoji="1" lang="en-US" altLang="zh-CN" sz="1400" dirty="0">
-                <a:latin typeface="Heiti SC Light" charset="-122"/>
-                <a:ea typeface="Heiti SC Light" charset="-122"/>
-                <a:cs typeface="Heiti SC Light" charset="-122"/>
-              </a:rPr>
-              <a:t>)</a:t>
-            </a:r>
             <a:endParaRPr kumimoji="1" lang="zh-CN" altLang="en-US" sz="1400" dirty="0">
               <a:latin typeface="Heiti SC Light" charset="-122"/>
               <a:ea typeface="Heiti SC Light" charset="-122"/>
               <a:cs typeface="Heiti SC Light" charset="-122"/>
             </a:endParaRPr>
           </a:p>
-        </p:txBody>
-      </p:sp>
-      <p:sp>
-        <p:nvSpPr>
-          <p:cNvPr id="122" name="可选流程 121"/>
-          <p:cNvSpPr/>
-          <p:nvPr/>
-        </p:nvSpPr>
-        <p:spPr>
-          <a:xfrm>
-            <a:off x="6959118" y="2073918"/>
-            <a:ext cx="1074713" cy="580685"/>
-          </a:xfrm>
-          <a:prstGeom prst="flowChartAlternateProcess">
-            <a:avLst/>
-          </a:prstGeom>
-          <a:solidFill>
-            <a:srgbClr val="6095C9"/>
-          </a:solidFill>
-        </p:spPr>
-        <p:style>
-          <a:lnRef idx="0">
-            <a:schemeClr val="accent1"/>
-          </a:lnRef>
-          <a:fillRef idx="3">
-            <a:schemeClr val="accent1"/>
-          </a:fillRef>
-          <a:effectRef idx="3">
-            <a:schemeClr val="accent1"/>
-          </a:effectRef>
-          <a:fontRef idx="minor">
-            <a:schemeClr val="lt1"/>
-          </a:fontRef>
-        </p:style>
-        <p:txBody>
-          <a:bodyPr anchor="ctr"/>
-          <a:lstStyle/>
           <a:p>
             <a:pPr algn="ctr">
               <a:defRPr/>
             </a:pPr>
             <a:r>
+              <a:rPr kumimoji="1" lang="en-US" altLang="zh-CN" sz="1400" dirty="0">
+                <a:latin typeface="Heiti SC Light" charset="-122"/>
+                <a:ea typeface="Heiti SC Light" charset="-122"/>
+                <a:cs typeface="Heiti SC Light" charset="-122"/>
+              </a:rPr>
+              <a:t>(</a:t>
+            </a:r>
+            <a:r>
               <a:rPr kumimoji="1" lang="zh-CN" altLang="en-US" sz="1400" dirty="0">
                 <a:latin typeface="Heiti SC Light" charset="-122"/>
                 <a:ea typeface="Heiti SC Light" charset="-122"/>
                 <a:cs typeface="Heiti SC Light" charset="-122"/>
               </a:rPr>
-              <a:t>日志</a:t>
-            </a:r>
-            <a:r>
-              <a:rPr kumimoji="1" lang="zh-CN" altLang="en-US" sz="1400" dirty="0" smtClean="0">
-                <a:latin typeface="Heiti SC Light" charset="-122"/>
-                <a:ea typeface="Heiti SC Light" charset="-122"/>
-                <a:cs typeface="Heiti SC Light" charset="-122"/>
-              </a:rPr>
-              <a:t>服务</a:t>
+              <a:t>实时</a:t>
+            </a:r>
+            <a:r>
+              <a:rPr kumimoji="1" lang="en-US" altLang="zh-CN" sz="1400" dirty="0">
+                <a:latin typeface="Heiti SC Light" charset="-122"/>
+                <a:ea typeface="Heiti SC Light" charset="-122"/>
+                <a:cs typeface="Heiti SC Light" charset="-122"/>
+              </a:rPr>
+              <a:t>)</a:t>
             </a:r>
             <a:endParaRPr kumimoji="1" lang="zh-CN" altLang="en-US" sz="1400" dirty="0">
               <a:latin typeface="Heiti SC Light" charset="-122"/>
@@ -25684,6 +26340,69 @@
       </p:sp>
       <p:sp>
         <p:nvSpPr>
+          <p:cNvPr id="122" name="可选流程 121"/>
+          <p:cNvSpPr/>
+          <p:nvPr/>
+        </p:nvSpPr>
+        <p:spPr>
+          <a:xfrm>
+            <a:off x="6959118" y="2073918"/>
+            <a:ext cx="1074713" cy="580685"/>
+          </a:xfrm>
+          <a:prstGeom prst="flowChartAlternateProcess">
+            <a:avLst/>
+          </a:prstGeom>
+          <a:solidFill>
+            <a:srgbClr val="6095C9"/>
+          </a:solidFill>
+        </p:spPr>
+        <p:style>
+          <a:lnRef idx="0">
+            <a:schemeClr val="accent1"/>
+          </a:lnRef>
+          <a:fillRef idx="3">
+            <a:schemeClr val="accent1"/>
+          </a:fillRef>
+          <a:effectRef idx="3">
+            <a:schemeClr val="accent1"/>
+          </a:effectRef>
+          <a:fontRef idx="minor">
+            <a:schemeClr val="lt1"/>
+          </a:fontRef>
+        </p:style>
+        <p:txBody>
+          <a:bodyPr anchor="ctr"/>
+          <a:lstStyle/>
+          <a:p>
+            <a:pPr algn="ctr">
+              <a:defRPr/>
+            </a:pPr>
+            <a:r>
+              <a:rPr kumimoji="1" lang="zh-CN" altLang="en-US" sz="1400" dirty="0">
+                <a:latin typeface="Heiti SC Light" charset="-122"/>
+                <a:ea typeface="Heiti SC Light" charset="-122"/>
+                <a:cs typeface="Heiti SC Light" charset="-122"/>
+              </a:rPr>
+              <a:t>日志</a:t>
+            </a:r>
+            <a:r>
+              <a:rPr kumimoji="1" lang="zh-CN" altLang="en-US" sz="1400" dirty="0" smtClean="0">
+                <a:latin typeface="Heiti SC Light" charset="-122"/>
+                <a:ea typeface="Heiti SC Light" charset="-122"/>
+                <a:cs typeface="Heiti SC Light" charset="-122"/>
+              </a:rPr>
+              <a:t>服务</a:t>
+            </a:r>
+            <a:endParaRPr kumimoji="1" lang="zh-CN" altLang="en-US" sz="1400" dirty="0">
+              <a:latin typeface="Heiti SC Light" charset="-122"/>
+              <a:ea typeface="Heiti SC Light" charset="-122"/>
+              <a:cs typeface="Heiti SC Light" charset="-122"/>
+            </a:endParaRPr>
+          </a:p>
+        </p:txBody>
+      </p:sp>
+      <p:sp>
+        <p:nvSpPr>
           <p:cNvPr id="2" name="矩形 1"/>
           <p:cNvSpPr/>
           <p:nvPr/>
@@ -25737,11 +26456,6 @@
         </p:txBody>
       </p:sp>
     </p:spTree>
-    <p:extLst>
-      <p:ext uri="{BB962C8B-B14F-4D97-AF65-F5344CB8AC3E}">
-        <p14:creationId xmlns:p14="http://schemas.microsoft.com/office/powerpoint/2010/main" val="1632737874"/>
-      </p:ext>
-    </p:extLst>
   </p:cSld>
   <p:clrMapOvr>
     <a:masterClrMapping/>
@@ -25929,6 +26643,20 @@
               </a:rPr>
               <a:t>业务数据</a:t>
             </a:r>
+            <a:endParaRPr kumimoji="1" lang="zh-CN" altLang="en-US" sz="1100" b="0" i="0" u="none" strike="noStrike" kern="0" cap="none" spc="0" normalizeH="0" baseline="0" noProof="0" dirty="0" smtClean="0">
+              <a:ln>
+                <a:noFill/>
+              </a:ln>
+              <a:solidFill>
+                <a:prstClr val="black"/>
+              </a:solidFill>
+              <a:effectLst/>
+              <a:uLnTx/>
+              <a:uFillTx/>
+              <a:latin typeface="微软雅黑" panose="020B0503020204020204" charset="-122"/>
+              <a:ea typeface="微软雅黑" panose="020B0503020204020204" charset="-122"/>
+              <a:cs typeface="微软雅黑" panose="020B0503020204020204" charset="-122"/>
+            </a:endParaRPr>
           </a:p>
         </p:txBody>
       </p:sp>
@@ -27674,6 +28402,20 @@
               </a:rPr>
               <a:t>意义：</a:t>
             </a:r>
+            <a:endParaRPr kumimoji="1" lang="zh-CN" altLang="en-US" sz="1600" b="0" i="0" u="none" strike="noStrike" kern="0" cap="none" spc="0" normalizeH="0" baseline="0" noProof="0" dirty="0" smtClean="0">
+              <a:ln>
+                <a:noFill/>
+              </a:ln>
+              <a:solidFill>
+                <a:srgbClr val="FF0000"/>
+              </a:solidFill>
+              <a:effectLst/>
+              <a:uLnTx/>
+              <a:uFillTx/>
+              <a:latin typeface="微软雅黑" panose="020B0503020204020204" charset="-122"/>
+              <a:ea typeface="微软雅黑" panose="020B0503020204020204" charset="-122"/>
+              <a:cs typeface="微软雅黑" panose="020B0503020204020204" charset="-122"/>
+            </a:endParaRPr>
           </a:p>
           <a:p>
             <a:pPr marL="0" marR="0" lvl="0" indent="0" defTabSz="457200" eaLnBrk="1" fontAlgn="auto" latinLnBrk="0" hangingPunct="1">
@@ -27726,6 +28468,20 @@
               </a:rPr>
               <a:t>、协同处理大量数据</a:t>
             </a:r>
+            <a:endParaRPr kumimoji="1" lang="zh-CN" altLang="en-US" sz="1200" b="0" i="0" u="none" strike="noStrike" kern="0" cap="none" spc="0" normalizeH="0" baseline="0" noProof="0" dirty="0" smtClean="0">
+              <a:ln>
+                <a:noFill/>
+              </a:ln>
+              <a:solidFill>
+                <a:prstClr val="black"/>
+              </a:solidFill>
+              <a:effectLst/>
+              <a:uLnTx/>
+              <a:uFillTx/>
+              <a:latin typeface="微软雅黑" panose="020B0503020204020204" charset="-122"/>
+              <a:ea typeface="微软雅黑" panose="020B0503020204020204" charset="-122"/>
+              <a:cs typeface="微软雅黑" panose="020B0503020204020204" charset="-122"/>
+            </a:endParaRPr>
           </a:p>
           <a:p>
             <a:pPr marL="0" marR="0" lvl="0" indent="0" defTabSz="457200" eaLnBrk="1" fontAlgn="auto" latinLnBrk="0" hangingPunct="1">
@@ -27778,6 +28534,20 @@
               </a:rPr>
               <a:t>、动态扩容，动态分片</a:t>
             </a:r>
+            <a:endParaRPr kumimoji="1" lang="zh-CN" altLang="en-US" sz="1200" b="0" i="0" u="none" strike="noStrike" kern="0" cap="none" spc="0" normalizeH="0" baseline="0" noProof="0" dirty="0" smtClean="0">
+              <a:ln>
+                <a:noFill/>
+              </a:ln>
+              <a:solidFill>
+                <a:prstClr val="black"/>
+              </a:solidFill>
+              <a:effectLst/>
+              <a:uLnTx/>
+              <a:uFillTx/>
+              <a:latin typeface="微软雅黑" panose="020B0503020204020204" charset="-122"/>
+              <a:ea typeface="微软雅黑" panose="020B0503020204020204" charset="-122"/>
+              <a:cs typeface="微软雅黑" panose="020B0503020204020204" charset="-122"/>
+            </a:endParaRPr>
           </a:p>
         </p:txBody>
       </p:sp>
@@ -28199,8 +28969,6 @@
       </a:bgFillStyleLst>
     </a:fmtScheme>
   </a:themeElements>
-  <a:objectDefaults/>
-  <a:extraClrSchemeLst/>
   <a:extLst>
     <a:ext uri="{05A4C25C-085E-4340-85A3-A5531E510DB2}">
       <thm15:themeFamily xmlns:thm15="http://schemas.microsoft.com/office/thememl/2012/main" name="Office Theme" id="{62F939B6-93AF-4DB8-9C6B-D6C7DFDC589F}" vid="{4A3C46E8-61CC-4603-A589-7422A47A8E4A}"/>
@@ -28460,8 +29228,6 @@
       </a:bgFillStyleLst>
     </a:fmtScheme>
   </a:themeElements>
-  <a:objectDefaults/>
-  <a:extraClrSchemeLst/>
   <a:extLst>
     <a:ext uri="{05A4C25C-085E-4340-85A3-A5531E510DB2}">
       <thm15:themeFamily xmlns:thm15="http://schemas.microsoft.com/office/thememl/2012/main" name="Office Theme" id="{62F939B6-93AF-4DB8-9C6B-D6C7DFDC589F}" vid="{4A3C46E8-61CC-4603-A589-7422A47A8E4A}"/>
